--- a/Documentation/ProjectDocumentation/Presentation.pptx
+++ b/Documentation/ProjectDocumentation/Presentation.pptx
@@ -21,11 +21,11 @@
     <p:sldId id="293" r:id="rId9"/>
     <p:sldId id="281" r:id="rId10"/>
     <p:sldId id="273" r:id="rId11"/>
-    <p:sldId id="275" r:id="rId12"/>
+    <p:sldId id="287" r:id="rId12"/>
     <p:sldId id="294" r:id="rId13"/>
     <p:sldId id="288" r:id="rId14"/>
     <p:sldId id="289" r:id="rId15"/>
-    <p:sldId id="287" r:id="rId16"/>
+    <p:sldId id="296" r:id="rId16"/>
     <p:sldId id="290" r:id="rId17"/>
     <p:sldId id="279" r:id="rId18"/>
   </p:sldIdLst>
@@ -803,15 +803,10 @@
           <a:lstStyle/>
           <a:p>
             <a:r>
-              <a:rPr lang="de-AT" dirty="0"/>
-              <a:t>Programm für PC</a:t>
-            </a:r>
-          </a:p>
-          <a:p>
-            <a:r>
-              <a:rPr lang="de-AT" dirty="0"/>
-              <a:t>Default-Programm für Brick</a:t>
-            </a:r>
+              <a:rPr lang="en-US" dirty="0"/>
+              <a:t>// State of PD5 to PD2, in bits 3 to 0</a:t>
+            </a:r>
+            <a:endParaRPr lang="de-AT" dirty="0"/>
           </a:p>
         </p:txBody>
       </p:sp>
@@ -833,7 +828,7 @@
             <a:pPr rtl="0"/>
             <a:fld id="{FC8BD8E7-1312-41F3-99C4-6DA5AF891969}" type="slidenum">
               <a:rPr lang="de-DE" smtClean="0"/>
-              <a:t>15</a:t>
+              <a:t>12</a:t>
             </a:fld>
             <a:endParaRPr lang="de-DE" dirty="0"/>
           </a:p>
@@ -842,7 +837,7 @@
     </p:spTree>
     <p:extLst>
       <p:ext uri="{BB962C8B-B14F-4D97-AF65-F5344CB8AC3E}">
-        <p14:creationId xmlns:p14="http://schemas.microsoft.com/office/powerpoint/2010/main" val="1489791187"/>
+        <p14:creationId xmlns:p14="http://schemas.microsoft.com/office/powerpoint/2010/main" val="3040922736"/>
       </p:ext>
     </p:extLst>
   </p:cSld>
@@ -853,6 +848,270 @@
 </file>
 
 <file path=ppt/notesSlides/notesSlide11.xml><?xml version="1.0" encoding="utf-8"?>
+<p:notes xmlns:a="http://schemas.openxmlformats.org/drawingml/2006/main" xmlns:r="http://schemas.openxmlformats.org/officeDocument/2006/relationships" xmlns:p="http://schemas.openxmlformats.org/presentationml/2006/main">
+  <p:cSld>
+    <p:spTree>
+      <p:nvGrpSpPr>
+        <p:cNvPr id="1" name=""/>
+        <p:cNvGrpSpPr/>
+        <p:nvPr/>
+      </p:nvGrpSpPr>
+      <p:grpSpPr>
+        <a:xfrm>
+          <a:off x="0" y="0"/>
+          <a:ext cx="0" cy="0"/>
+          <a:chOff x="0" y="0"/>
+          <a:chExt cx="0" cy="0"/>
+        </a:xfrm>
+      </p:grpSpPr>
+      <p:sp>
+        <p:nvSpPr>
+          <p:cNvPr id="2" name="Folienbildplatzhalter 1"/>
+          <p:cNvSpPr>
+            <a:spLocks noGrp="1" noRot="1" noChangeAspect="1"/>
+          </p:cNvSpPr>
+          <p:nvPr>
+            <p:ph type="sldImg"/>
+          </p:nvPr>
+        </p:nvSpPr>
+        <p:spPr/>
+      </p:sp>
+      <p:sp>
+        <p:nvSpPr>
+          <p:cNvPr id="3" name="Notizenplatzhalter 2"/>
+          <p:cNvSpPr>
+            <a:spLocks noGrp="1"/>
+          </p:cNvSpPr>
+          <p:nvPr>
+            <p:ph type="body" idx="1"/>
+          </p:nvPr>
+        </p:nvSpPr>
+        <p:spPr/>
+        <p:txBody>
+          <a:bodyPr/>
+          <a:lstStyle/>
+          <a:p>
+            <a:r>
+              <a:rPr lang="de-AT" dirty="0"/>
+              <a:t>Sample Rate 256 Hz</a:t>
+            </a:r>
+          </a:p>
+        </p:txBody>
+      </p:sp>
+      <p:sp>
+        <p:nvSpPr>
+          <p:cNvPr id="4" name="Foliennummernplatzhalter 3"/>
+          <p:cNvSpPr>
+            <a:spLocks noGrp="1"/>
+          </p:cNvSpPr>
+          <p:nvPr>
+            <p:ph type="sldNum" sz="quarter" idx="10"/>
+          </p:nvPr>
+        </p:nvSpPr>
+        <p:spPr/>
+        <p:txBody>
+          <a:bodyPr/>
+          <a:lstStyle/>
+          <a:p>
+            <a:pPr rtl="0"/>
+            <a:fld id="{FC8BD8E7-1312-41F3-99C4-6DA5AF891969}" type="slidenum">
+              <a:rPr lang="de-DE" smtClean="0"/>
+              <a:t>13</a:t>
+            </a:fld>
+            <a:endParaRPr lang="de-DE" dirty="0"/>
+          </a:p>
+        </p:txBody>
+      </p:sp>
+    </p:spTree>
+    <p:extLst>
+      <p:ext uri="{BB962C8B-B14F-4D97-AF65-F5344CB8AC3E}">
+        <p14:creationId xmlns:p14="http://schemas.microsoft.com/office/powerpoint/2010/main" val="2017529270"/>
+      </p:ext>
+    </p:extLst>
+  </p:cSld>
+  <p:clrMapOvr>
+    <a:masterClrMapping/>
+  </p:clrMapOvr>
+</p:notes>
+</file>
+
+<file path=ppt/notesSlides/notesSlide12.xml><?xml version="1.0" encoding="utf-8"?>
+<p:notes xmlns:a="http://schemas.openxmlformats.org/drawingml/2006/main" xmlns:r="http://schemas.openxmlformats.org/officeDocument/2006/relationships" xmlns:p="http://schemas.openxmlformats.org/presentationml/2006/main">
+  <p:cSld>
+    <p:spTree>
+      <p:nvGrpSpPr>
+        <p:cNvPr id="1" name=""/>
+        <p:cNvGrpSpPr/>
+        <p:nvPr/>
+      </p:nvGrpSpPr>
+      <p:grpSpPr>
+        <a:xfrm>
+          <a:off x="0" y="0"/>
+          <a:ext cx="0" cy="0"/>
+          <a:chOff x="0" y="0"/>
+          <a:chExt cx="0" cy="0"/>
+        </a:xfrm>
+      </p:grpSpPr>
+      <p:sp>
+        <p:nvSpPr>
+          <p:cNvPr id="2" name="Folienbildplatzhalter 1"/>
+          <p:cNvSpPr>
+            <a:spLocks noGrp="1" noRot="1" noChangeAspect="1"/>
+          </p:cNvSpPr>
+          <p:nvPr>
+            <p:ph type="sldImg"/>
+          </p:nvPr>
+        </p:nvSpPr>
+        <p:spPr/>
+      </p:sp>
+      <p:sp>
+        <p:nvSpPr>
+          <p:cNvPr id="3" name="Notizenplatzhalter 2"/>
+          <p:cNvSpPr>
+            <a:spLocks noGrp="1"/>
+          </p:cNvSpPr>
+          <p:nvPr>
+            <p:ph type="body" idx="1"/>
+          </p:nvPr>
+        </p:nvSpPr>
+        <p:spPr/>
+        <p:txBody>
+          <a:bodyPr/>
+          <a:lstStyle/>
+          <a:p>
+            <a:r>
+              <a:rPr lang="de-AT" dirty="0"/>
+              <a:t>Kombination der EEG Daten</a:t>
+            </a:r>
+          </a:p>
+        </p:txBody>
+      </p:sp>
+      <p:sp>
+        <p:nvSpPr>
+          <p:cNvPr id="4" name="Foliennummernplatzhalter 3"/>
+          <p:cNvSpPr>
+            <a:spLocks noGrp="1"/>
+          </p:cNvSpPr>
+          <p:nvPr>
+            <p:ph type="sldNum" sz="quarter" idx="10"/>
+          </p:nvPr>
+        </p:nvSpPr>
+        <p:spPr/>
+        <p:txBody>
+          <a:bodyPr/>
+          <a:lstStyle/>
+          <a:p>
+            <a:pPr rtl="0"/>
+            <a:fld id="{FC8BD8E7-1312-41F3-99C4-6DA5AF891969}" type="slidenum">
+              <a:rPr lang="de-DE" smtClean="0"/>
+              <a:t>14</a:t>
+            </a:fld>
+            <a:endParaRPr lang="de-DE" dirty="0"/>
+          </a:p>
+        </p:txBody>
+      </p:sp>
+    </p:spTree>
+    <p:extLst>
+      <p:ext uri="{BB962C8B-B14F-4D97-AF65-F5344CB8AC3E}">
+        <p14:creationId xmlns:p14="http://schemas.microsoft.com/office/powerpoint/2010/main" val="2707875636"/>
+      </p:ext>
+    </p:extLst>
+  </p:cSld>
+  <p:clrMapOvr>
+    <a:masterClrMapping/>
+  </p:clrMapOvr>
+</p:notes>
+</file>
+
+<file path=ppt/notesSlides/notesSlide13.xml><?xml version="1.0" encoding="utf-8"?>
+<p:notes xmlns:a="http://schemas.openxmlformats.org/drawingml/2006/main" xmlns:r="http://schemas.openxmlformats.org/officeDocument/2006/relationships" xmlns:p="http://schemas.openxmlformats.org/presentationml/2006/main">
+  <p:cSld>
+    <p:spTree>
+      <p:nvGrpSpPr>
+        <p:cNvPr id="1" name=""/>
+        <p:cNvGrpSpPr/>
+        <p:nvPr/>
+      </p:nvGrpSpPr>
+      <p:grpSpPr>
+        <a:xfrm>
+          <a:off x="0" y="0"/>
+          <a:ext cx="0" cy="0"/>
+          <a:chOff x="0" y="0"/>
+          <a:chExt cx="0" cy="0"/>
+        </a:xfrm>
+      </p:grpSpPr>
+      <p:sp>
+        <p:nvSpPr>
+          <p:cNvPr id="2" name="Folienbildplatzhalter 1"/>
+          <p:cNvSpPr>
+            <a:spLocks noGrp="1" noRot="1" noChangeAspect="1"/>
+          </p:cNvSpPr>
+          <p:nvPr>
+            <p:ph type="sldImg"/>
+          </p:nvPr>
+        </p:nvSpPr>
+        <p:spPr/>
+      </p:sp>
+      <p:sp>
+        <p:nvSpPr>
+          <p:cNvPr id="3" name="Notizenplatzhalter 2"/>
+          <p:cNvSpPr>
+            <a:spLocks noGrp="1"/>
+          </p:cNvSpPr>
+          <p:nvPr>
+            <p:ph type="body" idx="1"/>
+          </p:nvPr>
+        </p:nvSpPr>
+        <p:spPr/>
+        <p:txBody>
+          <a:bodyPr/>
+          <a:lstStyle/>
+          <a:p>
+            <a:r>
+              <a:rPr lang="de-AT" dirty="0"/>
+              <a:t>Rechts schauen, zwei Channels, 10 Sekunden</a:t>
+            </a:r>
+          </a:p>
+        </p:txBody>
+      </p:sp>
+      <p:sp>
+        <p:nvSpPr>
+          <p:cNvPr id="4" name="Foliennummernplatzhalter 3"/>
+          <p:cNvSpPr>
+            <a:spLocks noGrp="1"/>
+          </p:cNvSpPr>
+          <p:nvPr>
+            <p:ph type="sldNum" sz="quarter" idx="10"/>
+          </p:nvPr>
+        </p:nvSpPr>
+        <p:spPr/>
+        <p:txBody>
+          <a:bodyPr/>
+          <a:lstStyle/>
+          <a:p>
+            <a:pPr rtl="0"/>
+            <a:fld id="{FC8BD8E7-1312-41F3-99C4-6DA5AF891969}" type="slidenum">
+              <a:rPr lang="de-DE" smtClean="0"/>
+              <a:t>15</a:t>
+            </a:fld>
+            <a:endParaRPr lang="de-DE" dirty="0"/>
+          </a:p>
+        </p:txBody>
+      </p:sp>
+    </p:spTree>
+    <p:extLst>
+      <p:ext uri="{BB962C8B-B14F-4D97-AF65-F5344CB8AC3E}">
+        <p14:creationId xmlns:p14="http://schemas.microsoft.com/office/powerpoint/2010/main" val="2924079989"/>
+      </p:ext>
+    </p:extLst>
+  </p:cSld>
+  <p:clrMapOvr>
+    <a:masterClrMapping/>
+  </p:clrMapOvr>
+</p:notes>
+</file>
+
+<file path=ppt/notesSlides/notesSlide14.xml><?xml version="1.0" encoding="utf-8"?>
 <p:notes xmlns:a="http://schemas.openxmlformats.org/drawingml/2006/main" xmlns:r="http://schemas.openxmlformats.org/officeDocument/2006/relationships" xmlns:p="http://schemas.openxmlformats.org/presentationml/2006/main">
   <p:cSld>
     <p:spTree>
@@ -1438,7 +1697,30 @@
           <a:bodyPr/>
           <a:lstStyle/>
           <a:p>
-            <a:endParaRPr lang="de-DE" dirty="0"/>
+            <a:r>
+              <a:rPr lang="de-AT" dirty="0"/>
+              <a:t>Emotiv nicht open </a:t>
+            </a:r>
+            <a:r>
+              <a:rPr lang="de-AT" dirty="0" err="1"/>
+              <a:t>source</a:t>
+            </a:r>
+            <a:endParaRPr lang="de-AT" dirty="0"/>
+          </a:p>
+          <a:p>
+            <a:r>
+              <a:rPr lang="de-AT" dirty="0"/>
+              <a:t>Emotiv unpraktisch (keine Rohdaten auslesbar)</a:t>
+            </a:r>
+          </a:p>
+          <a:p>
+            <a:r>
+              <a:rPr lang="de-AT" dirty="0"/>
+              <a:t>Elektrodenpositionierung verwendbar</a:t>
+            </a:r>
+          </a:p>
+          <a:p>
+            <a:endParaRPr lang="de-AT" dirty="0"/>
           </a:p>
         </p:txBody>
       </p:sp>
@@ -1460,7 +1742,7 @@
             <a:pPr rtl="0"/>
             <a:fld id="{FC8BD8E7-1312-41F3-99C4-6DA5AF891969}" type="slidenum">
               <a:rPr lang="de-DE" smtClean="0"/>
-              <a:t>10</a:t>
+              <a:t>7</a:t>
             </a:fld>
             <a:endParaRPr lang="de-DE" dirty="0"/>
           </a:p>
@@ -1469,7 +1751,7 @@
     </p:spTree>
     <p:extLst>
       <p:ext uri="{BB962C8B-B14F-4D97-AF65-F5344CB8AC3E}">
-        <p14:creationId xmlns:p14="http://schemas.microsoft.com/office/powerpoint/2010/main" val="3760230713"/>
+        <p14:creationId xmlns:p14="http://schemas.microsoft.com/office/powerpoint/2010/main" val="2502493429"/>
       </p:ext>
     </p:extLst>
   </p:cSld>
@@ -1523,7 +1805,7 @@
           <a:bodyPr/>
           <a:lstStyle/>
           <a:p>
-            <a:endParaRPr lang="de-AT" dirty="0"/>
+            <a:endParaRPr lang="de-DE" dirty="0"/>
           </a:p>
         </p:txBody>
       </p:sp>
@@ -1545,7 +1827,7 @@
             <a:pPr rtl="0"/>
             <a:fld id="{FC8BD8E7-1312-41F3-99C4-6DA5AF891969}" type="slidenum">
               <a:rPr lang="de-DE" smtClean="0"/>
-              <a:t>13</a:t>
+              <a:t>10</a:t>
             </a:fld>
             <a:endParaRPr lang="de-DE" dirty="0"/>
           </a:p>
@@ -1554,7 +1836,7 @@
     </p:spTree>
     <p:extLst>
       <p:ext uri="{BB962C8B-B14F-4D97-AF65-F5344CB8AC3E}">
-        <p14:creationId xmlns:p14="http://schemas.microsoft.com/office/powerpoint/2010/main" val="2017529270"/>
+        <p14:creationId xmlns:p14="http://schemas.microsoft.com/office/powerpoint/2010/main" val="3760230713"/>
       </p:ext>
     </p:extLst>
   </p:cSld>
@@ -1610,13 +1892,14 @@
           <a:p>
             <a:r>
               <a:rPr lang="de-AT" dirty="0"/>
-              <a:t>Sogar Objekte </a:t>
-            </a:r>
-            <a:r>
-              <a:rPr lang="de-AT" dirty="0" err="1"/>
-              <a:t>scanbar</a:t>
-            </a:r>
-            <a:endParaRPr lang="de-AT" dirty="0"/>
+              <a:t>Programm für PC</a:t>
+            </a:r>
+          </a:p>
+          <a:p>
+            <a:r>
+              <a:rPr lang="de-AT" dirty="0"/>
+              <a:t>Default-Programm für Brick</a:t>
+            </a:r>
           </a:p>
         </p:txBody>
       </p:sp>
@@ -1638,7 +1921,7 @@
             <a:pPr rtl="0"/>
             <a:fld id="{FC8BD8E7-1312-41F3-99C4-6DA5AF891969}" type="slidenum">
               <a:rPr lang="de-DE" smtClean="0"/>
-              <a:t>14</a:t>
+              <a:t>11</a:t>
             </a:fld>
             <a:endParaRPr lang="de-DE" dirty="0"/>
           </a:p>
@@ -1647,7 +1930,7 @@
     </p:spTree>
     <p:extLst>
       <p:ext uri="{BB962C8B-B14F-4D97-AF65-F5344CB8AC3E}">
-        <p14:creationId xmlns:p14="http://schemas.microsoft.com/office/powerpoint/2010/main" val="2707875636"/>
+        <p14:creationId xmlns:p14="http://schemas.microsoft.com/office/powerpoint/2010/main" val="1489791187"/>
       </p:ext>
     </p:extLst>
   </p:cSld>
@@ -5500,202 +5783,6 @@
 </file>
 
 <file path=ppt/slides/slide11.xml><?xml version="1.0" encoding="utf-8"?>
-<p:sld xmlns:a="http://schemas.openxmlformats.org/drawingml/2006/main" xmlns:r="http://schemas.openxmlformats.org/officeDocument/2006/relationships" xmlns:p="http://schemas.openxmlformats.org/presentationml/2006/main">
-  <p:cSld>
-    <p:spTree>
-      <p:nvGrpSpPr>
-        <p:cNvPr id="1" name=""/>
-        <p:cNvGrpSpPr/>
-        <p:nvPr/>
-      </p:nvGrpSpPr>
-      <p:grpSpPr>
-        <a:xfrm>
-          <a:off x="0" y="0"/>
-          <a:ext cx="0" cy="0"/>
-          <a:chOff x="0" y="0"/>
-          <a:chExt cx="0" cy="0"/>
-        </a:xfrm>
-      </p:grpSpPr>
-    </p:spTree>
-    <p:extLst>
-      <p:ext uri="{BB962C8B-B14F-4D97-AF65-F5344CB8AC3E}">
-        <p14:creationId xmlns:p14="http://schemas.microsoft.com/office/powerpoint/2010/main" val="1869074884"/>
-      </p:ext>
-    </p:extLst>
-  </p:cSld>
-  <p:clrMapOvr>
-    <a:masterClrMapping/>
-  </p:clrMapOvr>
-  <mc:AlternateContent xmlns:mc="http://schemas.openxmlformats.org/markup-compatibility/2006" xmlns:p14="http://schemas.microsoft.com/office/powerpoint/2010/main">
-    <mc:Choice Requires="p14">
-      <p:transition spd="med" p14:dur="700">
-        <p:fade/>
-      </p:transition>
-    </mc:Choice>
-    <mc:Fallback xmlns="">
-      <p:transition spd="med">
-        <p:fade/>
-      </p:transition>
-    </mc:Fallback>
-  </mc:AlternateContent>
-</p:sld>
-</file>
-
-<file path=ppt/slides/slide12.xml><?xml version="1.0" encoding="utf-8"?>
-<p:sld xmlns:a="http://schemas.openxmlformats.org/drawingml/2006/main" xmlns:r="http://schemas.openxmlformats.org/officeDocument/2006/relationships" xmlns:p="http://schemas.openxmlformats.org/presentationml/2006/main">
-  <p:cSld>
-    <p:spTree>
-      <p:nvGrpSpPr>
-        <p:cNvPr id="1" name=""/>
-        <p:cNvGrpSpPr/>
-        <p:nvPr/>
-      </p:nvGrpSpPr>
-      <p:grpSpPr>
-        <a:xfrm>
-          <a:off x="0" y="0"/>
-          <a:ext cx="0" cy="0"/>
-          <a:chOff x="0" y="0"/>
-          <a:chExt cx="0" cy="0"/>
-        </a:xfrm>
-      </p:grpSpPr>
-      <p:sp>
-        <p:nvSpPr>
-          <p:cNvPr id="2" name="Titel 1">
-            <a:extLst>
-              <a:ext uri="{FF2B5EF4-FFF2-40B4-BE49-F238E27FC236}">
-                <a16:creationId xmlns:a16="http://schemas.microsoft.com/office/drawing/2014/main" id="{051F827F-2EC1-4DEA-B3A7-0CF94E964225}"/>
-              </a:ext>
-            </a:extLst>
-          </p:cNvPr>
-          <p:cNvSpPr>
-            <a:spLocks noGrp="1"/>
-          </p:cNvSpPr>
-          <p:nvPr>
-            <p:ph type="title"/>
-          </p:nvPr>
-        </p:nvSpPr>
-        <p:spPr/>
-        <p:txBody>
-          <a:bodyPr/>
-          <a:lstStyle/>
-          <a:p>
-            <a:r>
-              <a:rPr lang="de-AT" dirty="0"/>
-              <a:t>Entwicklung</a:t>
-            </a:r>
-          </a:p>
-        </p:txBody>
-      </p:sp>
-    </p:spTree>
-    <p:extLst>
-      <p:ext uri="{BB962C8B-B14F-4D97-AF65-F5344CB8AC3E}">
-        <p14:creationId xmlns:p14="http://schemas.microsoft.com/office/powerpoint/2010/main" val="936644394"/>
-      </p:ext>
-    </p:extLst>
-  </p:cSld>
-  <p:clrMapOvr>
-    <a:masterClrMapping/>
-  </p:clrMapOvr>
-  <mc:AlternateContent xmlns:mc="http://schemas.openxmlformats.org/markup-compatibility/2006" xmlns:p14="http://schemas.microsoft.com/office/powerpoint/2010/main">
-    <mc:Choice Requires="p14">
-      <p:transition spd="med" p14:dur="700">
-        <p:fade/>
-      </p:transition>
-    </mc:Choice>
-    <mc:Fallback xmlns="">
-      <p:transition spd="med">
-        <p:fade/>
-      </p:transition>
-    </mc:Fallback>
-  </mc:AlternateContent>
-</p:sld>
-</file>
-
-<file path=ppt/slides/slide13.xml><?xml version="1.0" encoding="utf-8"?>
-<p:sld xmlns:a="http://schemas.openxmlformats.org/drawingml/2006/main" xmlns:r="http://schemas.openxmlformats.org/officeDocument/2006/relationships" xmlns:p="http://schemas.openxmlformats.org/presentationml/2006/main">
-  <p:cSld>
-    <p:spTree>
-      <p:nvGrpSpPr>
-        <p:cNvPr id="1" name=""/>
-        <p:cNvGrpSpPr/>
-        <p:nvPr/>
-      </p:nvGrpSpPr>
-      <p:grpSpPr>
-        <a:xfrm>
-          <a:off x="0" y="0"/>
-          <a:ext cx="0" cy="0"/>
-          <a:chOff x="0" y="0"/>
-          <a:chExt cx="0" cy="0"/>
-        </a:xfrm>
-      </p:grpSpPr>
-    </p:spTree>
-    <p:extLst>
-      <p:ext uri="{BB962C8B-B14F-4D97-AF65-F5344CB8AC3E}">
-        <p14:creationId xmlns:p14="http://schemas.microsoft.com/office/powerpoint/2010/main" val="2674667414"/>
-      </p:ext>
-    </p:extLst>
-  </p:cSld>
-  <p:clrMapOvr>
-    <a:masterClrMapping/>
-  </p:clrMapOvr>
-  <mc:AlternateContent xmlns:mc="http://schemas.openxmlformats.org/markup-compatibility/2006" xmlns:p14="http://schemas.microsoft.com/office/powerpoint/2010/main">
-    <mc:Choice Requires="p14">
-      <p:transition spd="med" p14:dur="700">
-        <p:fade/>
-      </p:transition>
-    </mc:Choice>
-    <mc:Fallback xmlns="">
-      <p:transition spd="med">
-        <p:fade/>
-      </p:transition>
-    </mc:Fallback>
-  </mc:AlternateContent>
-</p:sld>
-</file>
-
-<file path=ppt/slides/slide14.xml><?xml version="1.0" encoding="utf-8"?>
-<p:sld xmlns:a="http://schemas.openxmlformats.org/drawingml/2006/main" xmlns:r="http://schemas.openxmlformats.org/officeDocument/2006/relationships" xmlns:p="http://schemas.openxmlformats.org/presentationml/2006/main">
-  <p:cSld>
-    <p:spTree>
-      <p:nvGrpSpPr>
-        <p:cNvPr id="1" name=""/>
-        <p:cNvGrpSpPr/>
-        <p:nvPr/>
-      </p:nvGrpSpPr>
-      <p:grpSpPr>
-        <a:xfrm>
-          <a:off x="0" y="0"/>
-          <a:ext cx="0" cy="0"/>
-          <a:chOff x="0" y="0"/>
-          <a:chExt cx="0" cy="0"/>
-        </a:xfrm>
-      </p:grpSpPr>
-    </p:spTree>
-    <p:extLst>
-      <p:ext uri="{BB962C8B-B14F-4D97-AF65-F5344CB8AC3E}">
-        <p14:creationId xmlns:p14="http://schemas.microsoft.com/office/powerpoint/2010/main" val="1808208440"/>
-      </p:ext>
-    </p:extLst>
-  </p:cSld>
-  <p:clrMapOvr>
-    <a:masterClrMapping/>
-  </p:clrMapOvr>
-  <mc:AlternateContent xmlns:mc="http://schemas.openxmlformats.org/markup-compatibility/2006" xmlns:p14="http://schemas.microsoft.com/office/powerpoint/2010/main">
-    <mc:Choice Requires="p14">
-      <p:transition spd="med" p14:dur="700">
-        <p:fade/>
-      </p:transition>
-    </mc:Choice>
-    <mc:Fallback xmlns="">
-      <p:transition spd="med">
-        <p:fade/>
-      </p:transition>
-    </mc:Fallback>
-  </mc:AlternateContent>
-</p:sld>
-</file>
-
-<file path=ppt/slides/slide15.xml><?xml version="1.0" encoding="utf-8"?>
 <p:sld xmlns:a="http://schemas.openxmlformats.org/drawingml/2006/main" xmlns:r="http://schemas.openxmlformats.org/officeDocument/2006/relationships" xmlns:p="http://schemas.openxmlformats.org/presentationml/2006/main">
   <p:cSld>
     <p:spTree>
@@ -6823,6 +6910,3898 @@
 </p:sld>
 </file>
 
+<file path=ppt/slides/slide12.xml><?xml version="1.0" encoding="utf-8"?>
+<p:sld xmlns:a="http://schemas.openxmlformats.org/drawingml/2006/main" xmlns:r="http://schemas.openxmlformats.org/officeDocument/2006/relationships" xmlns:p="http://schemas.openxmlformats.org/presentationml/2006/main">
+  <p:cSld>
+    <p:spTree>
+      <p:nvGrpSpPr>
+        <p:cNvPr id="1" name=""/>
+        <p:cNvGrpSpPr/>
+        <p:nvPr/>
+      </p:nvGrpSpPr>
+      <p:grpSpPr>
+        <a:xfrm>
+          <a:off x="0" y="0"/>
+          <a:ext cx="0" cy="0"/>
+          <a:chOff x="0" y="0"/>
+          <a:chExt cx="0" cy="0"/>
+        </a:xfrm>
+      </p:grpSpPr>
+      <p:sp>
+        <p:nvSpPr>
+          <p:cNvPr id="2" name="Titel 1">
+            <a:extLst>
+              <a:ext uri="{FF2B5EF4-FFF2-40B4-BE49-F238E27FC236}">
+                <a16:creationId xmlns:a16="http://schemas.microsoft.com/office/drawing/2014/main" id="{051F827F-2EC1-4DEA-B3A7-0CF94E964225}"/>
+              </a:ext>
+            </a:extLst>
+          </p:cNvPr>
+          <p:cNvSpPr>
+            <a:spLocks noGrp="1"/>
+          </p:cNvSpPr>
+          <p:nvPr>
+            <p:ph type="title"/>
+          </p:nvPr>
+        </p:nvSpPr>
+        <p:spPr/>
+        <p:txBody>
+          <a:bodyPr/>
+          <a:lstStyle/>
+          <a:p>
+            <a:r>
+              <a:rPr lang="de-AT" dirty="0"/>
+              <a:t>EEG Daten</a:t>
+            </a:r>
+          </a:p>
+        </p:txBody>
+      </p:sp>
+      <p:graphicFrame>
+        <p:nvGraphicFramePr>
+          <p:cNvPr id="4" name="Tabelle 3">
+            <a:extLst>
+              <a:ext uri="{FF2B5EF4-FFF2-40B4-BE49-F238E27FC236}">
+                <a16:creationId xmlns:a16="http://schemas.microsoft.com/office/drawing/2014/main" id="{6549612B-1279-481C-9F0F-0FE965F2BB3E}"/>
+              </a:ext>
+            </a:extLst>
+          </p:cNvPr>
+          <p:cNvGraphicFramePr>
+            <a:graphicFrameLocks noGrp="1"/>
+          </p:cNvGraphicFramePr>
+          <p:nvPr>
+            <p:extLst>
+              <p:ext uri="{D42A27DB-BD31-4B8C-83A1-F6EECF244321}">
+                <p14:modId xmlns:p14="http://schemas.microsoft.com/office/powerpoint/2010/main" val="357342118"/>
+              </p:ext>
+            </p:extLst>
+          </p:nvPr>
+        </p:nvGraphicFramePr>
+        <p:xfrm>
+          <a:off x="685800" y="2700020"/>
+          <a:ext cx="10820400" cy="2186940"/>
+        </p:xfrm>
+        <a:graphic>
+          <a:graphicData uri="http://schemas.openxmlformats.org/drawingml/2006/table">
+            <a:tbl>
+              <a:tblPr firstRow="1" bandRow="1">
+                <a:tableStyleId>{69CF1AB2-1976-4502-BF36-3FF5EA218861}</a:tableStyleId>
+              </a:tblPr>
+              <a:tblGrid>
+                <a:gridCol w="1352550">
+                  <a:extLst>
+                    <a:ext uri="{9D8B030D-6E8A-4147-A177-3AD203B41FA5}">
+                      <a16:colId xmlns:a16="http://schemas.microsoft.com/office/drawing/2014/main" val="3354513379"/>
+                    </a:ext>
+                  </a:extLst>
+                </a:gridCol>
+                <a:gridCol w="1352550">
+                  <a:extLst>
+                    <a:ext uri="{9D8B030D-6E8A-4147-A177-3AD203B41FA5}">
+                      <a16:colId xmlns:a16="http://schemas.microsoft.com/office/drawing/2014/main" val="3821914656"/>
+                    </a:ext>
+                  </a:extLst>
+                </a:gridCol>
+                <a:gridCol w="1352550">
+                  <a:extLst>
+                    <a:ext uri="{9D8B030D-6E8A-4147-A177-3AD203B41FA5}">
+                      <a16:colId xmlns:a16="http://schemas.microsoft.com/office/drawing/2014/main" val="1283827265"/>
+                    </a:ext>
+                  </a:extLst>
+                </a:gridCol>
+                <a:gridCol w="1352550">
+                  <a:extLst>
+                    <a:ext uri="{9D8B030D-6E8A-4147-A177-3AD203B41FA5}">
+                      <a16:colId xmlns:a16="http://schemas.microsoft.com/office/drawing/2014/main" val="770011009"/>
+                    </a:ext>
+                  </a:extLst>
+                </a:gridCol>
+                <a:gridCol w="1352550">
+                  <a:extLst>
+                    <a:ext uri="{9D8B030D-6E8A-4147-A177-3AD203B41FA5}">
+                      <a16:colId xmlns:a16="http://schemas.microsoft.com/office/drawing/2014/main" val="3096487993"/>
+                    </a:ext>
+                  </a:extLst>
+                </a:gridCol>
+                <a:gridCol w="1352550">
+                  <a:extLst>
+                    <a:ext uri="{9D8B030D-6E8A-4147-A177-3AD203B41FA5}">
+                      <a16:colId xmlns:a16="http://schemas.microsoft.com/office/drawing/2014/main" val="2650557633"/>
+                    </a:ext>
+                  </a:extLst>
+                </a:gridCol>
+                <a:gridCol w="1352550">
+                  <a:extLst>
+                    <a:ext uri="{9D8B030D-6E8A-4147-A177-3AD203B41FA5}">
+                      <a16:colId xmlns:a16="http://schemas.microsoft.com/office/drawing/2014/main" val="3551303638"/>
+                    </a:ext>
+                  </a:extLst>
+                </a:gridCol>
+                <a:gridCol w="1352550">
+                  <a:extLst>
+                    <a:ext uri="{9D8B030D-6E8A-4147-A177-3AD203B41FA5}">
+                      <a16:colId xmlns:a16="http://schemas.microsoft.com/office/drawing/2014/main" val="4191733998"/>
+                    </a:ext>
+                  </a:extLst>
+                </a:gridCol>
+              </a:tblGrid>
+              <a:tr h="728980">
+                <a:tc>
+                  <a:txBody>
+                    <a:bodyPr/>
+                    <a:lstStyle/>
+                    <a:p>
+                      <a:pPr algn="ctr"/>
+                      <a:r>
+                        <a:rPr lang="de-AT" b="0" dirty="0"/>
+                        <a:t>SYNC0</a:t>
+                      </a:r>
+                    </a:p>
+                  </a:txBody>
+                  <a:tcPr anchor="ctr">
+                    <a:solidFill>
+                      <a:schemeClr val="accent4">
+                        <a:lumMod val="20000"/>
+                        <a:lumOff val="80000"/>
+                      </a:schemeClr>
+                    </a:solidFill>
+                  </a:tcPr>
+                </a:tc>
+                <a:tc>
+                  <a:txBody>
+                    <a:bodyPr/>
+                    <a:lstStyle/>
+                    <a:p>
+                      <a:pPr algn="ctr"/>
+                      <a:r>
+                        <a:rPr lang="de-AT" b="0" dirty="0"/>
+                        <a:t>SYNC1</a:t>
+                      </a:r>
+                    </a:p>
+                  </a:txBody>
+                  <a:tcPr anchor="ctr">
+                    <a:solidFill>
+                      <a:schemeClr val="accent4">
+                        <a:lumMod val="20000"/>
+                        <a:lumOff val="80000"/>
+                      </a:schemeClr>
+                    </a:solidFill>
+                  </a:tcPr>
+                </a:tc>
+                <a:tc>
+                  <a:txBody>
+                    <a:bodyPr/>
+                    <a:lstStyle/>
+                    <a:p>
+                      <a:pPr algn="ctr"/>
+                      <a:r>
+                        <a:rPr lang="de-AT" b="0" dirty="0"/>
+                        <a:t>FIRMWARE VERSION</a:t>
+                      </a:r>
+                    </a:p>
+                  </a:txBody>
+                  <a:tcPr anchor="ctr">
+                    <a:solidFill>
+                      <a:schemeClr val="accent4">
+                        <a:lumMod val="20000"/>
+                        <a:lumOff val="80000"/>
+                      </a:schemeClr>
+                    </a:solidFill>
+                  </a:tcPr>
+                </a:tc>
+                <a:tc>
+                  <a:txBody>
+                    <a:bodyPr/>
+                    <a:lstStyle/>
+                    <a:p>
+                      <a:pPr algn="ctr"/>
+                      <a:r>
+                        <a:rPr lang="de-AT" b="0" dirty="0"/>
+                        <a:t>COUNTER</a:t>
+                      </a:r>
+                    </a:p>
+                  </a:txBody>
+                  <a:tcPr anchor="ctr">
+                    <a:solidFill>
+                      <a:schemeClr val="accent4">
+                        <a:lumMod val="20000"/>
+                        <a:lumOff val="80000"/>
+                      </a:schemeClr>
+                    </a:solidFill>
+                  </a:tcPr>
+                </a:tc>
+                <a:tc>
+                  <a:txBody>
+                    <a:bodyPr/>
+                    <a:lstStyle/>
+                    <a:p>
+                      <a:pPr algn="ctr"/>
+                      <a:r>
+                        <a:rPr lang="de-AT" b="0" dirty="0"/>
+                        <a:t>MSB CH1</a:t>
+                      </a:r>
+                    </a:p>
+                  </a:txBody>
+                  <a:tcPr anchor="ctr">
+                    <a:solidFill>
+                      <a:schemeClr val="accent1">
+                        <a:lumMod val="40000"/>
+                        <a:lumOff val="60000"/>
+                      </a:schemeClr>
+                    </a:solidFill>
+                  </a:tcPr>
+                </a:tc>
+                <a:tc>
+                  <a:txBody>
+                    <a:bodyPr/>
+                    <a:lstStyle/>
+                    <a:p>
+                      <a:pPr marL="0" marR="0" lvl="0" indent="0" algn="ctr" defTabSz="914400" rtl="0" eaLnBrk="1" fontAlgn="auto" latinLnBrk="0" hangingPunct="1">
+                        <a:lnSpc>
+                          <a:spcPct val="100000"/>
+                        </a:lnSpc>
+                        <a:spcBef>
+                          <a:spcPts val="0"/>
+                        </a:spcBef>
+                        <a:spcAft>
+                          <a:spcPts val="0"/>
+                        </a:spcAft>
+                        <a:buClrTx/>
+                        <a:buSzTx/>
+                        <a:buFontTx/>
+                        <a:buNone/>
+                        <a:tabLst/>
+                        <a:defRPr/>
+                      </a:pPr>
+                      <a:r>
+                        <a:rPr lang="de-AT" b="0" dirty="0"/>
+                        <a:t>LSB CH1</a:t>
+                      </a:r>
+                    </a:p>
+                  </a:txBody>
+                  <a:tcPr anchor="ctr">
+                    <a:solidFill>
+                      <a:schemeClr val="accent1">
+                        <a:lumMod val="40000"/>
+                        <a:lumOff val="60000"/>
+                      </a:schemeClr>
+                    </a:solidFill>
+                  </a:tcPr>
+                </a:tc>
+                <a:tc>
+                  <a:txBody>
+                    <a:bodyPr/>
+                    <a:lstStyle/>
+                    <a:p>
+                      <a:pPr algn="ctr"/>
+                      <a:r>
+                        <a:rPr lang="de-AT" b="0" dirty="0"/>
+                        <a:t>MSB CH2</a:t>
+                      </a:r>
+                    </a:p>
+                  </a:txBody>
+                  <a:tcPr anchor="ctr">
+                    <a:solidFill>
+                      <a:schemeClr val="accent1">
+                        <a:lumMod val="40000"/>
+                        <a:lumOff val="60000"/>
+                      </a:schemeClr>
+                    </a:solidFill>
+                  </a:tcPr>
+                </a:tc>
+                <a:tc>
+                  <a:txBody>
+                    <a:bodyPr/>
+                    <a:lstStyle/>
+                    <a:p>
+                      <a:pPr marL="0" marR="0" lvl="0" indent="0" algn="ctr" defTabSz="914400" rtl="0" eaLnBrk="1" fontAlgn="auto" latinLnBrk="0" hangingPunct="1">
+                        <a:lnSpc>
+                          <a:spcPct val="100000"/>
+                        </a:lnSpc>
+                        <a:spcBef>
+                          <a:spcPts val="0"/>
+                        </a:spcBef>
+                        <a:spcAft>
+                          <a:spcPts val="0"/>
+                        </a:spcAft>
+                        <a:buClrTx/>
+                        <a:buSzTx/>
+                        <a:buFontTx/>
+                        <a:buNone/>
+                        <a:tabLst/>
+                        <a:defRPr/>
+                      </a:pPr>
+                      <a:r>
+                        <a:rPr lang="de-AT" b="0" dirty="0"/>
+                        <a:t>LSB CH2</a:t>
+                      </a:r>
+                    </a:p>
+                  </a:txBody>
+                  <a:tcPr anchor="ctr">
+                    <a:solidFill>
+                      <a:schemeClr val="accent1">
+                        <a:lumMod val="40000"/>
+                        <a:lumOff val="60000"/>
+                      </a:schemeClr>
+                    </a:solidFill>
+                  </a:tcPr>
+                </a:tc>
+                <a:extLst>
+                  <a:ext uri="{0D108BD9-81ED-4DB2-BD59-A6C34878D82A}">
+                    <a16:rowId xmlns:a16="http://schemas.microsoft.com/office/drawing/2014/main" val="395419656"/>
+                  </a:ext>
+                </a:extLst>
+              </a:tr>
+              <a:tr h="728980">
+                <a:tc>
+                  <a:txBody>
+                    <a:bodyPr/>
+                    <a:lstStyle/>
+                    <a:p>
+                      <a:pPr algn="ctr"/>
+                      <a:r>
+                        <a:rPr lang="de-AT" b="0" dirty="0"/>
+                        <a:t>MSB CH3</a:t>
+                      </a:r>
+                    </a:p>
+                  </a:txBody>
+                  <a:tcPr anchor="ctr">
+                    <a:solidFill>
+                      <a:schemeClr val="bg1"/>
+                    </a:solidFill>
+                  </a:tcPr>
+                </a:tc>
+                <a:tc>
+                  <a:txBody>
+                    <a:bodyPr/>
+                    <a:lstStyle/>
+                    <a:p>
+                      <a:pPr marL="0" marR="0" lvl="0" indent="0" algn="ctr" defTabSz="914400" rtl="0" eaLnBrk="1" fontAlgn="auto" latinLnBrk="0" hangingPunct="1">
+                        <a:lnSpc>
+                          <a:spcPct val="100000"/>
+                        </a:lnSpc>
+                        <a:spcBef>
+                          <a:spcPts val="0"/>
+                        </a:spcBef>
+                        <a:spcAft>
+                          <a:spcPts val="0"/>
+                        </a:spcAft>
+                        <a:buClrTx/>
+                        <a:buSzTx/>
+                        <a:buFontTx/>
+                        <a:buNone/>
+                        <a:tabLst/>
+                        <a:defRPr/>
+                      </a:pPr>
+                      <a:r>
+                        <a:rPr lang="de-AT" b="0" dirty="0"/>
+                        <a:t>LSB CH3</a:t>
+                      </a:r>
+                    </a:p>
+                  </a:txBody>
+                  <a:tcPr anchor="ctr">
+                    <a:solidFill>
+                      <a:schemeClr val="bg1"/>
+                    </a:solidFill>
+                  </a:tcPr>
+                </a:tc>
+                <a:tc>
+                  <a:txBody>
+                    <a:bodyPr/>
+                    <a:lstStyle/>
+                    <a:p>
+                      <a:pPr algn="ctr"/>
+                      <a:r>
+                        <a:rPr lang="de-AT" b="0" dirty="0"/>
+                        <a:t>MSB CH4</a:t>
+                      </a:r>
+                    </a:p>
+                  </a:txBody>
+                  <a:tcPr anchor="ctr">
+                    <a:solidFill>
+                      <a:schemeClr val="bg1"/>
+                    </a:solidFill>
+                  </a:tcPr>
+                </a:tc>
+                <a:tc>
+                  <a:txBody>
+                    <a:bodyPr/>
+                    <a:lstStyle/>
+                    <a:p>
+                      <a:pPr marL="0" marR="0" lvl="0" indent="0" algn="ctr" defTabSz="914400" rtl="0" eaLnBrk="1" fontAlgn="auto" latinLnBrk="0" hangingPunct="1">
+                        <a:lnSpc>
+                          <a:spcPct val="100000"/>
+                        </a:lnSpc>
+                        <a:spcBef>
+                          <a:spcPts val="0"/>
+                        </a:spcBef>
+                        <a:spcAft>
+                          <a:spcPts val="0"/>
+                        </a:spcAft>
+                        <a:buClrTx/>
+                        <a:buSzTx/>
+                        <a:buFontTx/>
+                        <a:buNone/>
+                        <a:tabLst/>
+                        <a:defRPr/>
+                      </a:pPr>
+                      <a:r>
+                        <a:rPr lang="de-AT" b="0" dirty="0"/>
+                        <a:t>LSB CH4</a:t>
+                      </a:r>
+                    </a:p>
+                  </a:txBody>
+                  <a:tcPr anchor="ctr">
+                    <a:solidFill>
+                      <a:schemeClr val="bg1"/>
+                    </a:solidFill>
+                  </a:tcPr>
+                </a:tc>
+                <a:tc>
+                  <a:txBody>
+                    <a:bodyPr/>
+                    <a:lstStyle/>
+                    <a:p>
+                      <a:pPr algn="ctr"/>
+                      <a:r>
+                        <a:rPr lang="de-AT" b="0" dirty="0"/>
+                        <a:t>MSB CH5</a:t>
+                      </a:r>
+                    </a:p>
+                  </a:txBody>
+                  <a:tcPr anchor="ctr">
+                    <a:solidFill>
+                      <a:schemeClr val="bg1"/>
+                    </a:solidFill>
+                  </a:tcPr>
+                </a:tc>
+                <a:tc>
+                  <a:txBody>
+                    <a:bodyPr/>
+                    <a:lstStyle/>
+                    <a:p>
+                      <a:pPr marL="0" marR="0" lvl="0" indent="0" algn="ctr" defTabSz="914400" rtl="0" eaLnBrk="1" fontAlgn="auto" latinLnBrk="0" hangingPunct="1">
+                        <a:lnSpc>
+                          <a:spcPct val="100000"/>
+                        </a:lnSpc>
+                        <a:spcBef>
+                          <a:spcPts val="0"/>
+                        </a:spcBef>
+                        <a:spcAft>
+                          <a:spcPts val="0"/>
+                        </a:spcAft>
+                        <a:buClrTx/>
+                        <a:buSzTx/>
+                        <a:buFontTx/>
+                        <a:buNone/>
+                        <a:tabLst/>
+                        <a:defRPr/>
+                      </a:pPr>
+                      <a:r>
+                        <a:rPr lang="de-AT" b="0" dirty="0"/>
+                        <a:t>LSB CH5</a:t>
+                      </a:r>
+                    </a:p>
+                  </a:txBody>
+                  <a:tcPr anchor="ctr">
+                    <a:solidFill>
+                      <a:schemeClr val="bg1"/>
+                    </a:solidFill>
+                  </a:tcPr>
+                </a:tc>
+                <a:tc>
+                  <a:txBody>
+                    <a:bodyPr/>
+                    <a:lstStyle/>
+                    <a:p>
+                      <a:pPr algn="ctr"/>
+                      <a:r>
+                        <a:rPr lang="de-AT" b="0" dirty="0"/>
+                        <a:t>MSB CH6</a:t>
+                      </a:r>
+                    </a:p>
+                  </a:txBody>
+                  <a:tcPr anchor="ctr">
+                    <a:solidFill>
+                      <a:schemeClr val="bg1"/>
+                    </a:solidFill>
+                  </a:tcPr>
+                </a:tc>
+                <a:tc>
+                  <a:txBody>
+                    <a:bodyPr/>
+                    <a:lstStyle/>
+                    <a:p>
+                      <a:pPr marL="0" marR="0" lvl="0" indent="0" algn="ctr" defTabSz="914400" rtl="0" eaLnBrk="1" fontAlgn="auto" latinLnBrk="0" hangingPunct="1">
+                        <a:lnSpc>
+                          <a:spcPct val="100000"/>
+                        </a:lnSpc>
+                        <a:spcBef>
+                          <a:spcPts val="0"/>
+                        </a:spcBef>
+                        <a:spcAft>
+                          <a:spcPts val="0"/>
+                        </a:spcAft>
+                        <a:buClrTx/>
+                        <a:buSzTx/>
+                        <a:buFontTx/>
+                        <a:buNone/>
+                        <a:tabLst/>
+                        <a:defRPr/>
+                      </a:pPr>
+                      <a:r>
+                        <a:rPr lang="de-AT" b="0" dirty="0"/>
+                        <a:t>LSB CH6</a:t>
+                      </a:r>
+                    </a:p>
+                  </a:txBody>
+                  <a:tcPr anchor="ctr">
+                    <a:solidFill>
+                      <a:schemeClr val="bg1"/>
+                    </a:solidFill>
+                  </a:tcPr>
+                </a:tc>
+                <a:extLst>
+                  <a:ext uri="{0D108BD9-81ED-4DB2-BD59-A6C34878D82A}">
+                    <a16:rowId xmlns:a16="http://schemas.microsoft.com/office/drawing/2014/main" val="2148567634"/>
+                  </a:ext>
+                </a:extLst>
+              </a:tr>
+              <a:tr h="728980">
+                <a:tc>
+                  <a:txBody>
+                    <a:bodyPr/>
+                    <a:lstStyle/>
+                    <a:p>
+                      <a:pPr algn="ctr"/>
+                      <a:r>
+                        <a:rPr lang="de-AT" b="0" dirty="0"/>
+                        <a:t>SWITCHES</a:t>
+                      </a:r>
+                    </a:p>
+                  </a:txBody>
+                  <a:tcPr anchor="ctr">
+                    <a:noFill/>
+                  </a:tcPr>
+                </a:tc>
+                <a:tc>
+                  <a:txBody>
+                    <a:bodyPr/>
+                    <a:lstStyle/>
+                    <a:p>
+                      <a:pPr algn="ctr"/>
+                      <a:endParaRPr lang="de-AT" b="0" dirty="0"/>
+                    </a:p>
+                  </a:txBody>
+                  <a:tcPr anchor="ctr">
+                    <a:lnR w="12700" cap="flat" cmpd="sng" algn="ctr">
+                      <a:noFill/>
+                      <a:prstDash val="solid"/>
+                      <a:round/>
+                      <a:headEnd type="none" w="med" len="med"/>
+                      <a:tailEnd type="none" w="med" len="med"/>
+                    </a:lnR>
+                    <a:lnB w="12700" cap="flat" cmpd="sng" algn="ctr">
+                      <a:noFill/>
+                      <a:prstDash val="solid"/>
+                      <a:round/>
+                      <a:headEnd type="none" w="med" len="med"/>
+                      <a:tailEnd type="none" w="med" len="med"/>
+                    </a:lnB>
+                    <a:noFill/>
+                  </a:tcPr>
+                </a:tc>
+                <a:tc>
+                  <a:txBody>
+                    <a:bodyPr/>
+                    <a:lstStyle/>
+                    <a:p>
+                      <a:pPr algn="ctr"/>
+                      <a:endParaRPr lang="de-AT" b="0" dirty="0"/>
+                    </a:p>
+                  </a:txBody>
+                  <a:tcPr anchor="ctr">
+                    <a:lnL w="12700" cap="flat" cmpd="sng" algn="ctr">
+                      <a:noFill/>
+                      <a:prstDash val="solid"/>
+                      <a:round/>
+                      <a:headEnd type="none" w="med" len="med"/>
+                      <a:tailEnd type="none" w="med" len="med"/>
+                    </a:lnL>
+                    <a:lnR w="12700" cap="flat" cmpd="sng" algn="ctr">
+                      <a:noFill/>
+                      <a:prstDash val="solid"/>
+                      <a:round/>
+                      <a:headEnd type="none" w="med" len="med"/>
+                      <a:tailEnd type="none" w="med" len="med"/>
+                    </a:lnR>
+                    <a:lnB w="12700" cap="flat" cmpd="sng" algn="ctr">
+                      <a:noFill/>
+                      <a:prstDash val="solid"/>
+                      <a:round/>
+                      <a:headEnd type="none" w="med" len="med"/>
+                      <a:tailEnd type="none" w="med" len="med"/>
+                    </a:lnB>
+                    <a:noFill/>
+                  </a:tcPr>
+                </a:tc>
+                <a:tc>
+                  <a:txBody>
+                    <a:bodyPr/>
+                    <a:lstStyle/>
+                    <a:p>
+                      <a:pPr algn="ctr"/>
+                      <a:endParaRPr lang="de-AT" b="0" dirty="0"/>
+                    </a:p>
+                  </a:txBody>
+                  <a:tcPr anchor="ctr">
+                    <a:lnL w="12700" cap="flat" cmpd="sng" algn="ctr">
+                      <a:noFill/>
+                      <a:prstDash val="solid"/>
+                      <a:round/>
+                      <a:headEnd type="none" w="med" len="med"/>
+                      <a:tailEnd type="none" w="med" len="med"/>
+                    </a:lnL>
+                    <a:lnR w="12700" cap="flat" cmpd="sng" algn="ctr">
+                      <a:noFill/>
+                      <a:prstDash val="solid"/>
+                      <a:round/>
+                      <a:headEnd type="none" w="med" len="med"/>
+                      <a:tailEnd type="none" w="med" len="med"/>
+                    </a:lnR>
+                    <a:lnB w="12700" cap="flat" cmpd="sng" algn="ctr">
+                      <a:noFill/>
+                      <a:prstDash val="solid"/>
+                      <a:round/>
+                      <a:headEnd type="none" w="med" len="med"/>
+                      <a:tailEnd type="none" w="med" len="med"/>
+                    </a:lnB>
+                    <a:noFill/>
+                  </a:tcPr>
+                </a:tc>
+                <a:tc>
+                  <a:txBody>
+                    <a:bodyPr/>
+                    <a:lstStyle/>
+                    <a:p>
+                      <a:pPr algn="ctr"/>
+                      <a:endParaRPr lang="de-AT" b="0" dirty="0"/>
+                    </a:p>
+                  </a:txBody>
+                  <a:tcPr anchor="ctr">
+                    <a:lnL w="12700" cap="flat" cmpd="sng" algn="ctr">
+                      <a:noFill/>
+                      <a:prstDash val="solid"/>
+                      <a:round/>
+                      <a:headEnd type="none" w="med" len="med"/>
+                      <a:tailEnd type="none" w="med" len="med"/>
+                    </a:lnL>
+                    <a:lnR w="12700" cap="flat" cmpd="sng" algn="ctr">
+                      <a:noFill/>
+                      <a:prstDash val="solid"/>
+                      <a:round/>
+                      <a:headEnd type="none" w="med" len="med"/>
+                      <a:tailEnd type="none" w="med" len="med"/>
+                    </a:lnR>
+                    <a:lnB w="12700" cap="flat" cmpd="sng" algn="ctr">
+                      <a:noFill/>
+                      <a:prstDash val="solid"/>
+                      <a:round/>
+                      <a:headEnd type="none" w="med" len="med"/>
+                      <a:tailEnd type="none" w="med" len="med"/>
+                    </a:lnB>
+                    <a:noFill/>
+                  </a:tcPr>
+                </a:tc>
+                <a:tc>
+                  <a:txBody>
+                    <a:bodyPr/>
+                    <a:lstStyle/>
+                    <a:p>
+                      <a:pPr algn="ctr"/>
+                      <a:endParaRPr lang="de-AT" b="0" dirty="0"/>
+                    </a:p>
+                  </a:txBody>
+                  <a:tcPr anchor="ctr">
+                    <a:lnL w="12700" cap="flat" cmpd="sng" algn="ctr">
+                      <a:noFill/>
+                      <a:prstDash val="solid"/>
+                      <a:round/>
+                      <a:headEnd type="none" w="med" len="med"/>
+                      <a:tailEnd type="none" w="med" len="med"/>
+                    </a:lnL>
+                    <a:lnR w="12700" cap="flat" cmpd="sng" algn="ctr">
+                      <a:noFill/>
+                      <a:prstDash val="solid"/>
+                      <a:round/>
+                      <a:headEnd type="none" w="med" len="med"/>
+                      <a:tailEnd type="none" w="med" len="med"/>
+                    </a:lnR>
+                    <a:lnB w="12700" cap="flat" cmpd="sng" algn="ctr">
+                      <a:noFill/>
+                      <a:prstDash val="solid"/>
+                      <a:round/>
+                      <a:headEnd type="none" w="med" len="med"/>
+                      <a:tailEnd type="none" w="med" len="med"/>
+                    </a:lnB>
+                    <a:noFill/>
+                  </a:tcPr>
+                </a:tc>
+                <a:tc>
+                  <a:txBody>
+                    <a:bodyPr/>
+                    <a:lstStyle/>
+                    <a:p>
+                      <a:pPr algn="ctr"/>
+                      <a:endParaRPr lang="de-AT" b="0" dirty="0"/>
+                    </a:p>
+                  </a:txBody>
+                  <a:tcPr anchor="ctr">
+                    <a:lnL w="12700" cap="flat" cmpd="sng" algn="ctr">
+                      <a:noFill/>
+                      <a:prstDash val="solid"/>
+                      <a:round/>
+                      <a:headEnd type="none" w="med" len="med"/>
+                      <a:tailEnd type="none" w="med" len="med"/>
+                    </a:lnL>
+                    <a:lnR w="12700" cap="flat" cmpd="sng" algn="ctr">
+                      <a:noFill/>
+                      <a:prstDash val="solid"/>
+                      <a:round/>
+                      <a:headEnd type="none" w="med" len="med"/>
+                      <a:tailEnd type="none" w="med" len="med"/>
+                    </a:lnR>
+                    <a:lnB w="12700" cap="flat" cmpd="sng" algn="ctr">
+                      <a:noFill/>
+                      <a:prstDash val="solid"/>
+                      <a:round/>
+                      <a:headEnd type="none" w="med" len="med"/>
+                      <a:tailEnd type="none" w="med" len="med"/>
+                    </a:lnB>
+                    <a:noFill/>
+                  </a:tcPr>
+                </a:tc>
+                <a:tc>
+                  <a:txBody>
+                    <a:bodyPr/>
+                    <a:lstStyle/>
+                    <a:p>
+                      <a:pPr algn="ctr"/>
+                      <a:endParaRPr lang="de-AT" b="0" dirty="0"/>
+                    </a:p>
+                  </a:txBody>
+                  <a:tcPr anchor="ctr">
+                    <a:lnL w="12700" cap="flat" cmpd="sng" algn="ctr">
+                      <a:noFill/>
+                      <a:prstDash val="solid"/>
+                      <a:round/>
+                      <a:headEnd type="none" w="med" len="med"/>
+                      <a:tailEnd type="none" w="med" len="med"/>
+                    </a:lnL>
+                    <a:lnR w="12700" cap="flat" cmpd="sng" algn="ctr">
+                      <a:noFill/>
+                      <a:prstDash val="solid"/>
+                      <a:round/>
+                      <a:headEnd type="none" w="med" len="med"/>
+                      <a:tailEnd type="none" w="med" len="med"/>
+                    </a:lnR>
+                    <a:lnB w="12700" cap="flat" cmpd="sng" algn="ctr">
+                      <a:noFill/>
+                      <a:prstDash val="solid"/>
+                      <a:round/>
+                      <a:headEnd type="none" w="med" len="med"/>
+                      <a:tailEnd type="none" w="med" len="med"/>
+                    </a:lnB>
+                    <a:noFill/>
+                  </a:tcPr>
+                </a:tc>
+                <a:extLst>
+                  <a:ext uri="{0D108BD9-81ED-4DB2-BD59-A6C34878D82A}">
+                    <a16:rowId xmlns:a16="http://schemas.microsoft.com/office/drawing/2014/main" val="855258728"/>
+                  </a:ext>
+                </a:extLst>
+              </a:tr>
+            </a:tbl>
+          </a:graphicData>
+        </a:graphic>
+      </p:graphicFrame>
+      <p:sp>
+        <p:nvSpPr>
+          <p:cNvPr id="5" name="Textfeld 4">
+            <a:extLst>
+              <a:ext uri="{FF2B5EF4-FFF2-40B4-BE49-F238E27FC236}">
+                <a16:creationId xmlns:a16="http://schemas.microsoft.com/office/drawing/2014/main" id="{BD6C18D3-71AD-425F-A89A-05254094ABC6}"/>
+              </a:ext>
+            </a:extLst>
+          </p:cNvPr>
+          <p:cNvSpPr txBox="1"/>
+          <p:nvPr/>
+        </p:nvSpPr>
+        <p:spPr>
+          <a:xfrm>
+            <a:off x="685800" y="2062480"/>
+            <a:ext cx="4953000" cy="461665"/>
+          </a:xfrm>
+          <a:prstGeom prst="rect">
+            <a:avLst/>
+          </a:prstGeom>
+          <a:noFill/>
+        </p:spPr>
+        <p:txBody>
+          <a:bodyPr wrap="square" rtlCol="0">
+            <a:spAutoFit/>
+          </a:bodyPr>
+          <a:lstStyle/>
+          <a:p>
+            <a:r>
+              <a:rPr lang="de-AT" sz="2400" b="1" dirty="0">
+                <a:latin typeface="+mj-lt"/>
+              </a:rPr>
+              <a:t>17 Bytes Open EEG Datenpaket</a:t>
+            </a:r>
+          </a:p>
+        </p:txBody>
+      </p:sp>
+    </p:spTree>
+    <p:extLst>
+      <p:ext uri="{BB962C8B-B14F-4D97-AF65-F5344CB8AC3E}">
+        <p14:creationId xmlns:p14="http://schemas.microsoft.com/office/powerpoint/2010/main" val="936644394"/>
+      </p:ext>
+    </p:extLst>
+  </p:cSld>
+  <p:clrMapOvr>
+    <a:masterClrMapping/>
+  </p:clrMapOvr>
+  <mc:AlternateContent xmlns:mc="http://schemas.openxmlformats.org/markup-compatibility/2006" xmlns:p14="http://schemas.microsoft.com/office/powerpoint/2010/main">
+    <mc:Choice Requires="p14">
+      <p:transition spd="med" p14:dur="700">
+        <p:fade/>
+      </p:transition>
+    </mc:Choice>
+    <mc:Fallback xmlns="">
+      <p:transition spd="med">
+        <p:fade/>
+      </p:transition>
+    </mc:Fallback>
+  </mc:AlternateContent>
+</p:sld>
+</file>
+
+<file path=ppt/slides/slide13.xml><?xml version="1.0" encoding="utf-8"?>
+<p:sld xmlns:a="http://schemas.openxmlformats.org/drawingml/2006/main" xmlns:r="http://schemas.openxmlformats.org/officeDocument/2006/relationships" xmlns:p="http://schemas.openxmlformats.org/presentationml/2006/main">
+  <p:cSld>
+    <p:spTree>
+      <p:nvGrpSpPr>
+        <p:cNvPr id="1" name=""/>
+        <p:cNvGrpSpPr/>
+        <p:nvPr/>
+      </p:nvGrpSpPr>
+      <p:grpSpPr>
+        <a:xfrm>
+          <a:off x="0" y="0"/>
+          <a:ext cx="0" cy="0"/>
+          <a:chOff x="0" y="0"/>
+          <a:chExt cx="0" cy="0"/>
+        </a:xfrm>
+      </p:grpSpPr>
+      <p:grpSp>
+        <p:nvGrpSpPr>
+          <p:cNvPr id="4" name="Gruppieren 3">
+            <a:extLst>
+              <a:ext uri="{FF2B5EF4-FFF2-40B4-BE49-F238E27FC236}">
+                <a16:creationId xmlns:a16="http://schemas.microsoft.com/office/drawing/2014/main" id="{B3C2170D-AC8D-411A-A221-E60BD3D3C8E2}"/>
+              </a:ext>
+            </a:extLst>
+          </p:cNvPr>
+          <p:cNvGrpSpPr/>
+          <p:nvPr/>
+        </p:nvGrpSpPr>
+        <p:grpSpPr>
+          <a:xfrm>
+            <a:off x="2607746" y="76517"/>
+            <a:ext cx="6976507" cy="6704966"/>
+            <a:chOff x="-29211" y="0"/>
+            <a:chExt cx="6976507" cy="6704966"/>
+          </a:xfrm>
+        </p:grpSpPr>
+        <p:pic>
+          <p:nvPicPr>
+            <p:cNvPr id="2" name="Grafik 1">
+              <a:extLst>
+                <a:ext uri="{FF2B5EF4-FFF2-40B4-BE49-F238E27FC236}">
+                  <a16:creationId xmlns:a16="http://schemas.microsoft.com/office/drawing/2014/main" id="{E9B32953-7B03-40C4-8E4A-342D016F36C1}"/>
+                </a:ext>
+              </a:extLst>
+            </p:cNvPr>
+            <p:cNvPicPr>
+              <a:picLocks noChangeAspect="1"/>
+            </p:cNvPicPr>
+            <p:nvPr/>
+          </p:nvPicPr>
+          <p:blipFill>
+            <a:blip r:embed="rId3"/>
+            <a:stretch>
+              <a:fillRect/>
+            </a:stretch>
+          </p:blipFill>
+          <p:spPr>
+            <a:xfrm>
+              <a:off x="-29211" y="0"/>
+              <a:ext cx="6976507" cy="3352483"/>
+            </a:xfrm>
+            <a:prstGeom prst="rect">
+              <a:avLst/>
+            </a:prstGeom>
+          </p:spPr>
+        </p:pic>
+        <p:pic>
+          <p:nvPicPr>
+            <p:cNvPr id="3" name="Grafik 2">
+              <a:extLst>
+                <a:ext uri="{FF2B5EF4-FFF2-40B4-BE49-F238E27FC236}">
+                  <a16:creationId xmlns:a16="http://schemas.microsoft.com/office/drawing/2014/main" id="{5F31DB1F-7F1D-4566-9909-6CA9FCA2CFAF}"/>
+                </a:ext>
+              </a:extLst>
+            </p:cNvPr>
+            <p:cNvPicPr>
+              <a:picLocks noChangeAspect="1"/>
+            </p:cNvPicPr>
+            <p:nvPr/>
+          </p:nvPicPr>
+          <p:blipFill>
+            <a:blip r:embed="rId4"/>
+            <a:stretch>
+              <a:fillRect/>
+            </a:stretch>
+          </p:blipFill>
+          <p:spPr>
+            <a:xfrm>
+              <a:off x="0" y="3352483"/>
+              <a:ext cx="6818435" cy="3352483"/>
+            </a:xfrm>
+            <a:prstGeom prst="rect">
+              <a:avLst/>
+            </a:prstGeom>
+          </p:spPr>
+        </p:pic>
+      </p:grpSp>
+      <p:sp>
+        <p:nvSpPr>
+          <p:cNvPr id="5" name="Textfeld 4">
+            <a:extLst>
+              <a:ext uri="{FF2B5EF4-FFF2-40B4-BE49-F238E27FC236}">
+                <a16:creationId xmlns:a16="http://schemas.microsoft.com/office/drawing/2014/main" id="{776E78F9-D243-4C72-9669-C9119DDA15B4}"/>
+              </a:ext>
+            </a:extLst>
+          </p:cNvPr>
+          <p:cNvSpPr txBox="1"/>
+          <p:nvPr/>
+        </p:nvSpPr>
+        <p:spPr>
+          <a:xfrm>
+            <a:off x="3258820" y="1547296"/>
+            <a:ext cx="1005840" cy="369332"/>
+          </a:xfrm>
+          <a:prstGeom prst="rect">
+            <a:avLst/>
+          </a:prstGeom>
+          <a:noFill/>
+        </p:spPr>
+        <p:txBody>
+          <a:bodyPr wrap="square" rtlCol="0">
+            <a:spAutoFit/>
+          </a:bodyPr>
+          <a:lstStyle/>
+          <a:p>
+            <a:r>
+              <a:rPr lang="de-AT" dirty="0"/>
+              <a:t>SYNC0</a:t>
+            </a:r>
+          </a:p>
+        </p:txBody>
+      </p:sp>
+      <p:sp>
+        <p:nvSpPr>
+          <p:cNvPr id="6" name="Textfeld 5">
+            <a:extLst>
+              <a:ext uri="{FF2B5EF4-FFF2-40B4-BE49-F238E27FC236}">
+                <a16:creationId xmlns:a16="http://schemas.microsoft.com/office/drawing/2014/main" id="{D84C89E6-D631-4569-BE5E-856FD0A402B1}"/>
+              </a:ext>
+            </a:extLst>
+          </p:cNvPr>
+          <p:cNvSpPr txBox="1"/>
+          <p:nvPr/>
+        </p:nvSpPr>
+        <p:spPr>
+          <a:xfrm>
+            <a:off x="4915734" y="1547296"/>
+            <a:ext cx="1005840" cy="369332"/>
+          </a:xfrm>
+          <a:prstGeom prst="rect">
+            <a:avLst/>
+          </a:prstGeom>
+          <a:noFill/>
+        </p:spPr>
+        <p:txBody>
+          <a:bodyPr wrap="square" rtlCol="0">
+            <a:spAutoFit/>
+          </a:bodyPr>
+          <a:lstStyle/>
+          <a:p>
+            <a:r>
+              <a:rPr lang="de-AT" dirty="0"/>
+              <a:t>SYNC1</a:t>
+            </a:r>
+          </a:p>
+        </p:txBody>
+      </p:sp>
+      <p:sp>
+        <p:nvSpPr>
+          <p:cNvPr id="7" name="Textfeld 6">
+            <a:extLst>
+              <a:ext uri="{FF2B5EF4-FFF2-40B4-BE49-F238E27FC236}">
+                <a16:creationId xmlns:a16="http://schemas.microsoft.com/office/drawing/2014/main" id="{960DDFA7-34E8-4C2A-B1AB-80F67AFCD8EE}"/>
+              </a:ext>
+            </a:extLst>
+          </p:cNvPr>
+          <p:cNvSpPr txBox="1"/>
+          <p:nvPr/>
+        </p:nvSpPr>
+        <p:spPr>
+          <a:xfrm>
+            <a:off x="6458310" y="1480467"/>
+            <a:ext cx="1771252" cy="646331"/>
+          </a:xfrm>
+          <a:prstGeom prst="rect">
+            <a:avLst/>
+          </a:prstGeom>
+          <a:noFill/>
+        </p:spPr>
+        <p:txBody>
+          <a:bodyPr wrap="square" rtlCol="0">
+            <a:spAutoFit/>
+          </a:bodyPr>
+          <a:lstStyle/>
+          <a:p>
+            <a:r>
+              <a:rPr lang="de-AT" dirty="0"/>
+              <a:t>FIRMWARE VERSION</a:t>
+            </a:r>
+          </a:p>
+        </p:txBody>
+      </p:sp>
+      <p:sp>
+        <p:nvSpPr>
+          <p:cNvPr id="8" name="Textfeld 7">
+            <a:extLst>
+              <a:ext uri="{FF2B5EF4-FFF2-40B4-BE49-F238E27FC236}">
+                <a16:creationId xmlns:a16="http://schemas.microsoft.com/office/drawing/2014/main" id="{648218BB-B9B4-420A-9A79-C7A735B77DAB}"/>
+              </a:ext>
+            </a:extLst>
+          </p:cNvPr>
+          <p:cNvSpPr txBox="1"/>
+          <p:nvPr/>
+        </p:nvSpPr>
+        <p:spPr>
+          <a:xfrm>
+            <a:off x="8100780" y="1547296"/>
+            <a:ext cx="1771252" cy="369332"/>
+          </a:xfrm>
+          <a:prstGeom prst="rect">
+            <a:avLst/>
+          </a:prstGeom>
+          <a:noFill/>
+        </p:spPr>
+        <p:txBody>
+          <a:bodyPr wrap="square" rtlCol="0">
+            <a:spAutoFit/>
+          </a:bodyPr>
+          <a:lstStyle/>
+          <a:p>
+            <a:r>
+              <a:rPr lang="de-AT" dirty="0"/>
+              <a:t>COUNTER</a:t>
+            </a:r>
+          </a:p>
+        </p:txBody>
+      </p:sp>
+      <p:sp>
+        <p:nvSpPr>
+          <p:cNvPr id="13" name="Rechteck 12">
+            <a:extLst>
+              <a:ext uri="{FF2B5EF4-FFF2-40B4-BE49-F238E27FC236}">
+                <a16:creationId xmlns:a16="http://schemas.microsoft.com/office/drawing/2014/main" id="{36C8C5B1-21A2-4414-8EBB-11DB15D26B1C}"/>
+              </a:ext>
+            </a:extLst>
+          </p:cNvPr>
+          <p:cNvSpPr/>
+          <p:nvPr/>
+        </p:nvSpPr>
+        <p:spPr>
+          <a:xfrm>
+            <a:off x="2184400" y="3429000"/>
+            <a:ext cx="7894320" cy="3429000"/>
+          </a:xfrm>
+          <a:prstGeom prst="rect">
+            <a:avLst/>
+          </a:prstGeom>
+          <a:solidFill>
+            <a:srgbClr val="FFFFFF">
+              <a:alpha val="74902"/>
+            </a:srgbClr>
+          </a:solidFill>
+          <a:ln>
+            <a:noFill/>
+          </a:ln>
+        </p:spPr>
+        <p:style>
+          <a:lnRef idx="2">
+            <a:schemeClr val="accent1">
+              <a:shade val="50000"/>
+            </a:schemeClr>
+          </a:lnRef>
+          <a:fillRef idx="1">
+            <a:schemeClr val="accent1"/>
+          </a:fillRef>
+          <a:effectRef idx="0">
+            <a:schemeClr val="accent1"/>
+          </a:effectRef>
+          <a:fontRef idx="minor">
+            <a:schemeClr val="lt1"/>
+          </a:fontRef>
+        </p:style>
+        <p:txBody>
+          <a:bodyPr rtlCol="0" anchor="ctr"/>
+          <a:lstStyle/>
+          <a:p>
+            <a:pPr algn="ctr"/>
+            <a:endParaRPr lang="de-AT"/>
+          </a:p>
+        </p:txBody>
+      </p:sp>
+      <p:sp>
+        <p:nvSpPr>
+          <p:cNvPr id="9" name="Textfeld 8">
+            <a:extLst>
+              <a:ext uri="{FF2B5EF4-FFF2-40B4-BE49-F238E27FC236}">
+                <a16:creationId xmlns:a16="http://schemas.microsoft.com/office/drawing/2014/main" id="{1BB1B883-D4DD-47D1-BCD8-A6CAF99254B2}"/>
+              </a:ext>
+            </a:extLst>
+          </p:cNvPr>
+          <p:cNvSpPr txBox="1"/>
+          <p:nvPr/>
+        </p:nvSpPr>
+        <p:spPr>
+          <a:xfrm>
+            <a:off x="2761776" y="3244334"/>
+            <a:ext cx="1771252" cy="369332"/>
+          </a:xfrm>
+          <a:prstGeom prst="rect">
+            <a:avLst/>
+          </a:prstGeom>
+          <a:noFill/>
+        </p:spPr>
+        <p:txBody>
+          <a:bodyPr wrap="square" rtlCol="0">
+            <a:spAutoFit/>
+          </a:bodyPr>
+          <a:lstStyle/>
+          <a:p>
+            <a:r>
+              <a:rPr lang="de-AT" dirty="0"/>
+              <a:t>MSB CH1 (2 </a:t>
+            </a:r>
+            <a:r>
+              <a:rPr lang="de-AT" dirty="0" err="1"/>
+              <a:t>bits</a:t>
+            </a:r>
+            <a:r>
+              <a:rPr lang="de-AT" dirty="0"/>
+              <a:t>)</a:t>
+            </a:r>
+          </a:p>
+        </p:txBody>
+      </p:sp>
+      <p:sp>
+        <p:nvSpPr>
+          <p:cNvPr id="10" name="Textfeld 9">
+            <a:extLst>
+              <a:ext uri="{FF2B5EF4-FFF2-40B4-BE49-F238E27FC236}">
+                <a16:creationId xmlns:a16="http://schemas.microsoft.com/office/drawing/2014/main" id="{8710A919-7C34-40E1-94DD-4925268E4325}"/>
+              </a:ext>
+            </a:extLst>
+          </p:cNvPr>
+          <p:cNvSpPr txBox="1"/>
+          <p:nvPr/>
+        </p:nvSpPr>
+        <p:spPr>
+          <a:xfrm>
+            <a:off x="4533028" y="3240454"/>
+            <a:ext cx="1771252" cy="369332"/>
+          </a:xfrm>
+          <a:prstGeom prst="rect">
+            <a:avLst/>
+          </a:prstGeom>
+          <a:noFill/>
+        </p:spPr>
+        <p:txBody>
+          <a:bodyPr wrap="square" rtlCol="0">
+            <a:spAutoFit/>
+          </a:bodyPr>
+          <a:lstStyle/>
+          <a:p>
+            <a:r>
+              <a:rPr lang="de-AT" dirty="0"/>
+              <a:t>LSB CH1 (8 </a:t>
+            </a:r>
+            <a:r>
+              <a:rPr lang="de-AT" dirty="0" err="1"/>
+              <a:t>bits</a:t>
+            </a:r>
+            <a:r>
+              <a:rPr lang="de-AT" dirty="0"/>
+              <a:t>)</a:t>
+            </a:r>
+          </a:p>
+        </p:txBody>
+      </p:sp>
+      <p:sp>
+        <p:nvSpPr>
+          <p:cNvPr id="11" name="Textfeld 10">
+            <a:extLst>
+              <a:ext uri="{FF2B5EF4-FFF2-40B4-BE49-F238E27FC236}">
+                <a16:creationId xmlns:a16="http://schemas.microsoft.com/office/drawing/2014/main" id="{E338D636-CB71-4CB1-A465-C31C07AAD89F}"/>
+              </a:ext>
+            </a:extLst>
+          </p:cNvPr>
+          <p:cNvSpPr txBox="1"/>
+          <p:nvPr/>
+        </p:nvSpPr>
+        <p:spPr>
+          <a:xfrm>
+            <a:off x="6131560" y="3248214"/>
+            <a:ext cx="1866030" cy="369332"/>
+          </a:xfrm>
+          <a:prstGeom prst="rect">
+            <a:avLst/>
+          </a:prstGeom>
+          <a:noFill/>
+        </p:spPr>
+        <p:txBody>
+          <a:bodyPr wrap="square" rtlCol="0">
+            <a:spAutoFit/>
+          </a:bodyPr>
+          <a:lstStyle/>
+          <a:p>
+            <a:r>
+              <a:rPr lang="de-AT" dirty="0"/>
+              <a:t>MSB CH2 (2 </a:t>
+            </a:r>
+            <a:r>
+              <a:rPr lang="de-AT" dirty="0" err="1"/>
+              <a:t>bits</a:t>
+            </a:r>
+            <a:r>
+              <a:rPr lang="de-AT" dirty="0"/>
+              <a:t>)</a:t>
+            </a:r>
+          </a:p>
+        </p:txBody>
+      </p:sp>
+      <p:sp>
+        <p:nvSpPr>
+          <p:cNvPr id="12" name="Textfeld 11">
+            <a:extLst>
+              <a:ext uri="{FF2B5EF4-FFF2-40B4-BE49-F238E27FC236}">
+                <a16:creationId xmlns:a16="http://schemas.microsoft.com/office/drawing/2014/main" id="{D6288062-F1AA-47C8-90A4-74AA660104A3}"/>
+              </a:ext>
+            </a:extLst>
+          </p:cNvPr>
+          <p:cNvSpPr txBox="1"/>
+          <p:nvPr/>
+        </p:nvSpPr>
+        <p:spPr>
+          <a:xfrm>
+            <a:off x="7902812" y="3225968"/>
+            <a:ext cx="1771252" cy="369332"/>
+          </a:xfrm>
+          <a:prstGeom prst="rect">
+            <a:avLst/>
+          </a:prstGeom>
+          <a:noFill/>
+        </p:spPr>
+        <p:txBody>
+          <a:bodyPr wrap="square" rtlCol="0">
+            <a:spAutoFit/>
+          </a:bodyPr>
+          <a:lstStyle/>
+          <a:p>
+            <a:r>
+              <a:rPr lang="de-AT" dirty="0"/>
+              <a:t>LSB CH2 (8 </a:t>
+            </a:r>
+            <a:r>
+              <a:rPr lang="de-AT" dirty="0" err="1"/>
+              <a:t>bits</a:t>
+            </a:r>
+            <a:r>
+              <a:rPr lang="de-AT" dirty="0"/>
+              <a:t>)</a:t>
+            </a:r>
+          </a:p>
+        </p:txBody>
+      </p:sp>
+    </p:spTree>
+    <p:extLst>
+      <p:ext uri="{BB962C8B-B14F-4D97-AF65-F5344CB8AC3E}">
+        <p14:creationId xmlns:p14="http://schemas.microsoft.com/office/powerpoint/2010/main" val="2674667414"/>
+      </p:ext>
+    </p:extLst>
+  </p:cSld>
+  <p:clrMapOvr>
+    <a:masterClrMapping/>
+  </p:clrMapOvr>
+  <mc:AlternateContent xmlns:mc="http://schemas.openxmlformats.org/markup-compatibility/2006" xmlns:p14="http://schemas.microsoft.com/office/powerpoint/2010/main">
+    <mc:Choice Requires="p14">
+      <p:transition spd="med" p14:dur="700">
+        <p:fade/>
+      </p:transition>
+    </mc:Choice>
+    <mc:Fallback xmlns="">
+      <p:transition spd="med">
+        <p:fade/>
+      </p:transition>
+    </mc:Fallback>
+  </mc:AlternateContent>
+</p:sld>
+</file>
+
+<file path=ppt/slides/slide14.xml><?xml version="1.0" encoding="utf-8"?>
+<p:sld xmlns:a="http://schemas.openxmlformats.org/drawingml/2006/main" xmlns:r="http://schemas.openxmlformats.org/officeDocument/2006/relationships" xmlns:p="http://schemas.openxmlformats.org/presentationml/2006/main">
+  <p:cSld>
+    <p:spTree>
+      <p:nvGrpSpPr>
+        <p:cNvPr id="1" name=""/>
+        <p:cNvGrpSpPr/>
+        <p:nvPr/>
+      </p:nvGrpSpPr>
+      <p:grpSpPr>
+        <a:xfrm>
+          <a:off x="0" y="0"/>
+          <a:ext cx="0" cy="0"/>
+          <a:chOff x="0" y="0"/>
+          <a:chExt cx="0" cy="0"/>
+        </a:xfrm>
+      </p:grpSpPr>
+      <p:graphicFrame>
+        <p:nvGraphicFramePr>
+          <p:cNvPr id="3" name="Tabelle 2">
+            <a:extLst>
+              <a:ext uri="{FF2B5EF4-FFF2-40B4-BE49-F238E27FC236}">
+                <a16:creationId xmlns:a16="http://schemas.microsoft.com/office/drawing/2014/main" id="{56DA36BA-932C-4E71-9A4A-49D5FAB8852F}"/>
+              </a:ext>
+            </a:extLst>
+          </p:cNvPr>
+          <p:cNvGraphicFramePr>
+            <a:graphicFrameLocks noGrp="1"/>
+          </p:cNvGraphicFramePr>
+          <p:nvPr>
+            <p:extLst>
+              <p:ext uri="{D42A27DB-BD31-4B8C-83A1-F6EECF244321}">
+                <p14:modId xmlns:p14="http://schemas.microsoft.com/office/powerpoint/2010/main" val="1740684975"/>
+              </p:ext>
+            </p:extLst>
+          </p:nvPr>
+        </p:nvGraphicFramePr>
+        <p:xfrm>
+          <a:off x="1828800" y="3288030"/>
+          <a:ext cx="2705100" cy="1457960"/>
+        </p:xfrm>
+        <a:graphic>
+          <a:graphicData uri="http://schemas.openxmlformats.org/drawingml/2006/table">
+            <a:tbl>
+              <a:tblPr firstRow="1" bandRow="1">
+                <a:tableStyleId>{69CF1AB2-1976-4502-BF36-3FF5EA218861}</a:tableStyleId>
+              </a:tblPr>
+              <a:tblGrid>
+                <a:gridCol w="1352550">
+                  <a:extLst>
+                    <a:ext uri="{9D8B030D-6E8A-4147-A177-3AD203B41FA5}">
+                      <a16:colId xmlns:a16="http://schemas.microsoft.com/office/drawing/2014/main" val="411238812"/>
+                    </a:ext>
+                  </a:extLst>
+                </a:gridCol>
+                <a:gridCol w="1352550">
+                  <a:extLst>
+                    <a:ext uri="{9D8B030D-6E8A-4147-A177-3AD203B41FA5}">
+                      <a16:colId xmlns:a16="http://schemas.microsoft.com/office/drawing/2014/main" val="2380475358"/>
+                    </a:ext>
+                  </a:extLst>
+                </a:gridCol>
+              </a:tblGrid>
+              <a:tr h="728980">
+                <a:tc>
+                  <a:txBody>
+                    <a:bodyPr/>
+                    <a:lstStyle/>
+                    <a:p>
+                      <a:pPr algn="ctr"/>
+                      <a:r>
+                        <a:rPr lang="de-AT" b="0" dirty="0"/>
+                        <a:t>MSB CH1</a:t>
+                      </a:r>
+                    </a:p>
+                  </a:txBody>
+                  <a:tcPr anchor="ctr">
+                    <a:solidFill>
+                      <a:schemeClr val="accent1">
+                        <a:lumMod val="40000"/>
+                        <a:lumOff val="60000"/>
+                      </a:schemeClr>
+                    </a:solidFill>
+                  </a:tcPr>
+                </a:tc>
+                <a:tc>
+                  <a:txBody>
+                    <a:bodyPr/>
+                    <a:lstStyle/>
+                    <a:p>
+                      <a:pPr marL="0" marR="0" lvl="0" indent="0" algn="ctr" defTabSz="914400" rtl="0" eaLnBrk="1" fontAlgn="auto" latinLnBrk="0" hangingPunct="1">
+                        <a:lnSpc>
+                          <a:spcPct val="100000"/>
+                        </a:lnSpc>
+                        <a:spcBef>
+                          <a:spcPts val="0"/>
+                        </a:spcBef>
+                        <a:spcAft>
+                          <a:spcPts val="0"/>
+                        </a:spcAft>
+                        <a:buClrTx/>
+                        <a:buSzTx/>
+                        <a:buFontTx/>
+                        <a:buNone/>
+                        <a:tabLst/>
+                        <a:defRPr/>
+                      </a:pPr>
+                      <a:r>
+                        <a:rPr lang="de-AT" b="0" dirty="0"/>
+                        <a:t>LSB CH1</a:t>
+                      </a:r>
+                    </a:p>
+                  </a:txBody>
+                  <a:tcPr anchor="ctr">
+                    <a:solidFill>
+                      <a:schemeClr val="accent1">
+                        <a:lumMod val="40000"/>
+                        <a:lumOff val="60000"/>
+                      </a:schemeClr>
+                    </a:solidFill>
+                  </a:tcPr>
+                </a:tc>
+                <a:extLst>
+                  <a:ext uri="{0D108BD9-81ED-4DB2-BD59-A6C34878D82A}">
+                    <a16:rowId xmlns:a16="http://schemas.microsoft.com/office/drawing/2014/main" val="1116103463"/>
+                  </a:ext>
+                </a:extLst>
+              </a:tr>
+              <a:tr h="728980">
+                <a:tc>
+                  <a:txBody>
+                    <a:bodyPr/>
+                    <a:lstStyle/>
+                    <a:p>
+                      <a:pPr algn="ctr"/>
+                      <a:r>
+                        <a:rPr lang="de-AT" b="0" dirty="0"/>
+                        <a:t>MSB CH2</a:t>
+                      </a:r>
+                    </a:p>
+                  </a:txBody>
+                  <a:tcPr anchor="ctr">
+                    <a:solidFill>
+                      <a:schemeClr val="accent1">
+                        <a:lumMod val="40000"/>
+                        <a:lumOff val="60000"/>
+                      </a:schemeClr>
+                    </a:solidFill>
+                  </a:tcPr>
+                </a:tc>
+                <a:tc>
+                  <a:txBody>
+                    <a:bodyPr/>
+                    <a:lstStyle/>
+                    <a:p>
+                      <a:pPr marL="0" marR="0" lvl="0" indent="0" algn="ctr" defTabSz="914400" rtl="0" eaLnBrk="1" fontAlgn="auto" latinLnBrk="0" hangingPunct="1">
+                        <a:lnSpc>
+                          <a:spcPct val="100000"/>
+                        </a:lnSpc>
+                        <a:spcBef>
+                          <a:spcPts val="0"/>
+                        </a:spcBef>
+                        <a:spcAft>
+                          <a:spcPts val="0"/>
+                        </a:spcAft>
+                        <a:buClrTx/>
+                        <a:buSzTx/>
+                        <a:buFontTx/>
+                        <a:buNone/>
+                        <a:tabLst/>
+                        <a:defRPr/>
+                      </a:pPr>
+                      <a:r>
+                        <a:rPr lang="de-AT" b="0" dirty="0"/>
+                        <a:t>LSB CH2</a:t>
+                      </a:r>
+                    </a:p>
+                  </a:txBody>
+                  <a:tcPr anchor="ctr">
+                    <a:solidFill>
+                      <a:schemeClr val="accent1">
+                        <a:lumMod val="40000"/>
+                        <a:lumOff val="60000"/>
+                      </a:schemeClr>
+                    </a:solidFill>
+                  </a:tcPr>
+                </a:tc>
+                <a:extLst>
+                  <a:ext uri="{0D108BD9-81ED-4DB2-BD59-A6C34878D82A}">
+                    <a16:rowId xmlns:a16="http://schemas.microsoft.com/office/drawing/2014/main" val="3632790040"/>
+                  </a:ext>
+                </a:extLst>
+              </a:tr>
+            </a:tbl>
+          </a:graphicData>
+        </a:graphic>
+      </p:graphicFrame>
+      <p:sp>
+        <p:nvSpPr>
+          <p:cNvPr id="6" name="Pfeil: nach rechts 5">
+            <a:extLst>
+              <a:ext uri="{FF2B5EF4-FFF2-40B4-BE49-F238E27FC236}">
+                <a16:creationId xmlns:a16="http://schemas.microsoft.com/office/drawing/2014/main" id="{5AD6E3B2-219F-4719-938F-DE0B3E74A075}"/>
+              </a:ext>
+            </a:extLst>
+          </p:cNvPr>
+          <p:cNvSpPr/>
+          <p:nvPr/>
+        </p:nvSpPr>
+        <p:spPr>
+          <a:xfrm>
+            <a:off x="4886960" y="3474720"/>
+            <a:ext cx="1605280" cy="355600"/>
+          </a:xfrm>
+          <a:prstGeom prst="rightArrow">
+            <a:avLst/>
+          </a:prstGeom>
+        </p:spPr>
+        <p:style>
+          <a:lnRef idx="2">
+            <a:schemeClr val="accent1">
+              <a:shade val="50000"/>
+            </a:schemeClr>
+          </a:lnRef>
+          <a:fillRef idx="1">
+            <a:schemeClr val="accent1"/>
+          </a:fillRef>
+          <a:effectRef idx="0">
+            <a:schemeClr val="accent1"/>
+          </a:effectRef>
+          <a:fontRef idx="minor">
+            <a:schemeClr val="lt1"/>
+          </a:fontRef>
+        </p:style>
+        <p:txBody>
+          <a:bodyPr rtlCol="0" anchor="ctr"/>
+          <a:lstStyle/>
+          <a:p>
+            <a:pPr algn="ctr"/>
+            <a:endParaRPr lang="de-AT"/>
+          </a:p>
+        </p:txBody>
+      </p:sp>
+      <p:sp>
+        <p:nvSpPr>
+          <p:cNvPr id="7" name="Textfeld 6">
+            <a:extLst>
+              <a:ext uri="{FF2B5EF4-FFF2-40B4-BE49-F238E27FC236}">
+                <a16:creationId xmlns:a16="http://schemas.microsoft.com/office/drawing/2014/main" id="{A45FEAB0-D81D-4455-8BAB-7B7DC7BA66D6}"/>
+              </a:ext>
+            </a:extLst>
+          </p:cNvPr>
+          <p:cNvSpPr txBox="1"/>
+          <p:nvPr/>
+        </p:nvSpPr>
+        <p:spPr>
+          <a:xfrm>
+            <a:off x="1828800" y="2918698"/>
+            <a:ext cx="2919730" cy="369332"/>
+          </a:xfrm>
+          <a:prstGeom prst="rect">
+            <a:avLst/>
+          </a:prstGeom>
+          <a:noFill/>
+        </p:spPr>
+        <p:txBody>
+          <a:bodyPr wrap="square" rtlCol="0">
+            <a:spAutoFit/>
+          </a:bodyPr>
+          <a:lstStyle/>
+          <a:p>
+            <a:r>
+              <a:rPr lang="de-AT" dirty="0"/>
+              <a:t>10 Bit Ganzzahl [0, 1023]</a:t>
+            </a:r>
+          </a:p>
+        </p:txBody>
+      </p:sp>
+      <p:sp>
+        <p:nvSpPr>
+          <p:cNvPr id="10" name="Titel 1">
+            <a:extLst>
+              <a:ext uri="{FF2B5EF4-FFF2-40B4-BE49-F238E27FC236}">
+                <a16:creationId xmlns:a16="http://schemas.microsoft.com/office/drawing/2014/main" id="{738116A4-BAD2-4A40-8F95-869FE660B797}"/>
+              </a:ext>
+            </a:extLst>
+          </p:cNvPr>
+          <p:cNvSpPr txBox="1">
+            <a:spLocks/>
+          </p:cNvSpPr>
+          <p:nvPr/>
+        </p:nvSpPr>
+        <p:spPr>
+          <a:xfrm>
+            <a:off x="1524000" y="457200"/>
+            <a:ext cx="9144000" cy="1143000"/>
+          </a:xfrm>
+          <a:prstGeom prst="rect">
+            <a:avLst/>
+          </a:prstGeom>
+        </p:spPr>
+        <p:txBody>
+          <a:bodyPr/>
+          <a:lstStyle>
+            <a:lvl1pPr algn="l" defTabSz="914400" rtl="0" eaLnBrk="1" latinLnBrk="0" hangingPunct="1">
+              <a:lnSpc>
+                <a:spcPct val="90000"/>
+              </a:lnSpc>
+              <a:spcBef>
+                <a:spcPct val="0"/>
+              </a:spcBef>
+              <a:buNone/>
+              <a:defRPr sz="3400" kern="1200" cap="all" baseline="0">
+                <a:solidFill>
+                  <a:schemeClr val="accent1">
+                    <a:lumMod val="75000"/>
+                  </a:schemeClr>
+                </a:solidFill>
+                <a:latin typeface="+mj-lt"/>
+                <a:ea typeface="+mj-ea"/>
+                <a:cs typeface="+mj-cs"/>
+              </a:defRPr>
+            </a:lvl1pPr>
+          </a:lstStyle>
+          <a:p>
+            <a:r>
+              <a:rPr lang="de-AT" dirty="0"/>
+              <a:t>Umwandlung</a:t>
+            </a:r>
+          </a:p>
+        </p:txBody>
+      </p:sp>
+      <p:sp>
+        <p:nvSpPr>
+          <p:cNvPr id="9" name="Pfeil: nach rechts 8">
+            <a:extLst>
+              <a:ext uri="{FF2B5EF4-FFF2-40B4-BE49-F238E27FC236}">
+                <a16:creationId xmlns:a16="http://schemas.microsoft.com/office/drawing/2014/main" id="{7CB244D7-3DE3-4A65-B50C-6785A4479FD4}"/>
+              </a:ext>
+            </a:extLst>
+          </p:cNvPr>
+          <p:cNvSpPr/>
+          <p:nvPr/>
+        </p:nvSpPr>
+        <p:spPr>
+          <a:xfrm>
+            <a:off x="4886960" y="4203700"/>
+            <a:ext cx="1605280" cy="355600"/>
+          </a:xfrm>
+          <a:prstGeom prst="rightArrow">
+            <a:avLst/>
+          </a:prstGeom>
+        </p:spPr>
+        <p:style>
+          <a:lnRef idx="2">
+            <a:schemeClr val="accent1">
+              <a:shade val="50000"/>
+            </a:schemeClr>
+          </a:lnRef>
+          <a:fillRef idx="1">
+            <a:schemeClr val="accent1"/>
+          </a:fillRef>
+          <a:effectRef idx="0">
+            <a:schemeClr val="accent1"/>
+          </a:effectRef>
+          <a:fontRef idx="minor">
+            <a:schemeClr val="lt1"/>
+          </a:fontRef>
+        </p:style>
+        <p:txBody>
+          <a:bodyPr rtlCol="0" anchor="ctr"/>
+          <a:lstStyle/>
+          <a:p>
+            <a:pPr algn="ctr"/>
+            <a:endParaRPr lang="de-AT"/>
+          </a:p>
+        </p:txBody>
+      </p:sp>
+      <p:sp>
+        <p:nvSpPr>
+          <p:cNvPr id="12" name="Textfeld 11">
+            <a:extLst>
+              <a:ext uri="{FF2B5EF4-FFF2-40B4-BE49-F238E27FC236}">
+                <a16:creationId xmlns:a16="http://schemas.microsoft.com/office/drawing/2014/main" id="{35FDAC83-4D68-4C5F-9577-A16ABC79C10A}"/>
+              </a:ext>
+            </a:extLst>
+          </p:cNvPr>
+          <p:cNvSpPr txBox="1"/>
+          <p:nvPr/>
+        </p:nvSpPr>
+        <p:spPr>
+          <a:xfrm>
+            <a:off x="6765290" y="2918698"/>
+            <a:ext cx="2919730" cy="369332"/>
+          </a:xfrm>
+          <a:prstGeom prst="rect">
+            <a:avLst/>
+          </a:prstGeom>
+          <a:noFill/>
+        </p:spPr>
+        <p:txBody>
+          <a:bodyPr wrap="square" rtlCol="0">
+            <a:spAutoFit/>
+          </a:bodyPr>
+          <a:lstStyle/>
+          <a:p>
+            <a:r>
+              <a:rPr lang="de-AT" dirty="0"/>
+              <a:t>Gleitkommazahl [0, 1]</a:t>
+            </a:r>
+          </a:p>
+        </p:txBody>
+      </p:sp>
+      <p:grpSp>
+        <p:nvGrpSpPr>
+          <p:cNvPr id="5" name="Gruppieren 4">
+            <a:extLst>
+              <a:ext uri="{FF2B5EF4-FFF2-40B4-BE49-F238E27FC236}">
+                <a16:creationId xmlns:a16="http://schemas.microsoft.com/office/drawing/2014/main" id="{BC4BC912-3BC0-4598-AD16-9F794F1B56F0}"/>
+              </a:ext>
+            </a:extLst>
+          </p:cNvPr>
+          <p:cNvGrpSpPr/>
+          <p:nvPr/>
+        </p:nvGrpSpPr>
+        <p:grpSpPr>
+          <a:xfrm>
+            <a:off x="6747510" y="3279775"/>
+            <a:ext cx="2706370" cy="704850"/>
+            <a:chOff x="6747510" y="3279775"/>
+            <a:chExt cx="2706370" cy="704850"/>
+          </a:xfrm>
+        </p:grpSpPr>
+        <p:sp>
+          <p:nvSpPr>
+            <p:cNvPr id="2" name="Rechteck 1">
+              <a:extLst>
+                <a:ext uri="{FF2B5EF4-FFF2-40B4-BE49-F238E27FC236}">
+                  <a16:creationId xmlns:a16="http://schemas.microsoft.com/office/drawing/2014/main" id="{5E3621BA-7CCE-4D3C-8AE7-EB1D626E97E4}"/>
+                </a:ext>
+              </a:extLst>
+            </p:cNvPr>
+            <p:cNvSpPr/>
+            <p:nvPr/>
+          </p:nvSpPr>
+          <p:spPr>
+            <a:xfrm>
+              <a:off x="6748780" y="3279775"/>
+              <a:ext cx="2705100" cy="704850"/>
+            </a:xfrm>
+            <a:prstGeom prst="rect">
+              <a:avLst/>
+            </a:prstGeom>
+            <a:solidFill>
+              <a:schemeClr val="bg2"/>
+            </a:solidFill>
+          </p:spPr>
+          <p:style>
+            <a:lnRef idx="2">
+              <a:schemeClr val="accent1">
+                <a:shade val="50000"/>
+              </a:schemeClr>
+            </a:lnRef>
+            <a:fillRef idx="1">
+              <a:schemeClr val="accent1"/>
+            </a:fillRef>
+            <a:effectRef idx="0">
+              <a:schemeClr val="accent1"/>
+            </a:effectRef>
+            <a:fontRef idx="minor">
+              <a:schemeClr val="lt1"/>
+            </a:fontRef>
+          </p:style>
+          <p:txBody>
+            <a:bodyPr rtlCol="0" anchor="ctr"/>
+            <a:lstStyle/>
+            <a:p>
+              <a:pPr algn="ctr"/>
+              <a:endParaRPr lang="de-AT"/>
+            </a:p>
+          </p:txBody>
+        </p:sp>
+        <p:sp>
+          <p:nvSpPr>
+            <p:cNvPr id="4" name="Freihandform: Form 3">
+              <a:extLst>
+                <a:ext uri="{FF2B5EF4-FFF2-40B4-BE49-F238E27FC236}">
+                  <a16:creationId xmlns:a16="http://schemas.microsoft.com/office/drawing/2014/main" id="{6712D759-F4C9-4EBE-B4D0-CE894729958B}"/>
+                </a:ext>
+              </a:extLst>
+            </p:cNvPr>
+            <p:cNvSpPr/>
+            <p:nvPr/>
+          </p:nvSpPr>
+          <p:spPr>
+            <a:xfrm>
+              <a:off x="6747510" y="3515360"/>
+              <a:ext cx="2703600" cy="274320"/>
+            </a:xfrm>
+            <a:custGeom>
+              <a:avLst/>
+              <a:gdLst>
+                <a:gd name="connsiteX0" fmla="*/ 0 w 2722919"/>
+                <a:gd name="connsiteY0" fmla="*/ 264160 h 274320"/>
+                <a:gd name="connsiteX1" fmla="*/ 121920 w 2722919"/>
+                <a:gd name="connsiteY1" fmla="*/ 233680 h 274320"/>
+                <a:gd name="connsiteX2" fmla="*/ 152400 w 2722919"/>
+                <a:gd name="connsiteY2" fmla="*/ 213360 h 274320"/>
+                <a:gd name="connsiteX3" fmla="*/ 233680 w 2722919"/>
+                <a:gd name="connsiteY3" fmla="*/ 182880 h 274320"/>
+                <a:gd name="connsiteX4" fmla="*/ 396240 w 2722919"/>
+                <a:gd name="connsiteY4" fmla="*/ 203200 h 274320"/>
+                <a:gd name="connsiteX5" fmla="*/ 447040 w 2722919"/>
+                <a:gd name="connsiteY5" fmla="*/ 213360 h 274320"/>
+                <a:gd name="connsiteX6" fmla="*/ 508000 w 2722919"/>
+                <a:gd name="connsiteY6" fmla="*/ 233680 h 274320"/>
+                <a:gd name="connsiteX7" fmla="*/ 731520 w 2722919"/>
+                <a:gd name="connsiteY7" fmla="*/ 223520 h 274320"/>
+                <a:gd name="connsiteX8" fmla="*/ 792480 w 2722919"/>
+                <a:gd name="connsiteY8" fmla="*/ 203200 h 274320"/>
+                <a:gd name="connsiteX9" fmla="*/ 863600 w 2722919"/>
+                <a:gd name="connsiteY9" fmla="*/ 193040 h 274320"/>
+                <a:gd name="connsiteX10" fmla="*/ 934720 w 2722919"/>
+                <a:gd name="connsiteY10" fmla="*/ 121920 h 274320"/>
+                <a:gd name="connsiteX11" fmla="*/ 975360 w 2722919"/>
+                <a:gd name="connsiteY11" fmla="*/ 132080 h 274320"/>
+                <a:gd name="connsiteX12" fmla="*/ 995680 w 2722919"/>
+                <a:gd name="connsiteY12" fmla="*/ 162560 h 274320"/>
+                <a:gd name="connsiteX13" fmla="*/ 1026160 w 2722919"/>
+                <a:gd name="connsiteY13" fmla="*/ 172720 h 274320"/>
+                <a:gd name="connsiteX14" fmla="*/ 1178560 w 2722919"/>
+                <a:gd name="connsiteY14" fmla="*/ 132080 h 274320"/>
+                <a:gd name="connsiteX15" fmla="*/ 1239520 w 2722919"/>
+                <a:gd name="connsiteY15" fmla="*/ 152400 h 274320"/>
+                <a:gd name="connsiteX16" fmla="*/ 1300480 w 2722919"/>
+                <a:gd name="connsiteY16" fmla="*/ 182880 h 274320"/>
+                <a:gd name="connsiteX17" fmla="*/ 1391920 w 2722919"/>
+                <a:gd name="connsiteY17" fmla="*/ 121920 h 274320"/>
+                <a:gd name="connsiteX18" fmla="*/ 1442720 w 2722919"/>
+                <a:gd name="connsiteY18" fmla="*/ 142240 h 274320"/>
+                <a:gd name="connsiteX19" fmla="*/ 1463040 w 2722919"/>
+                <a:gd name="connsiteY19" fmla="*/ 172720 h 274320"/>
+                <a:gd name="connsiteX20" fmla="*/ 1493520 w 2722919"/>
+                <a:gd name="connsiteY20" fmla="*/ 182880 h 274320"/>
+                <a:gd name="connsiteX21" fmla="*/ 1656080 w 2722919"/>
+                <a:gd name="connsiteY21" fmla="*/ 203200 h 274320"/>
+                <a:gd name="connsiteX22" fmla="*/ 1686560 w 2722919"/>
+                <a:gd name="connsiteY22" fmla="*/ 213360 h 274320"/>
+                <a:gd name="connsiteX23" fmla="*/ 1717040 w 2722919"/>
+                <a:gd name="connsiteY23" fmla="*/ 203200 h 274320"/>
+                <a:gd name="connsiteX24" fmla="*/ 1737360 w 2722919"/>
+                <a:gd name="connsiteY24" fmla="*/ 233680 h 274320"/>
+                <a:gd name="connsiteX25" fmla="*/ 1778000 w 2722919"/>
+                <a:gd name="connsiteY25" fmla="*/ 193040 h 274320"/>
+                <a:gd name="connsiteX26" fmla="*/ 1788160 w 2722919"/>
+                <a:gd name="connsiteY26" fmla="*/ 162560 h 274320"/>
+                <a:gd name="connsiteX27" fmla="*/ 1869440 w 2722919"/>
+                <a:gd name="connsiteY27" fmla="*/ 172720 h 274320"/>
+                <a:gd name="connsiteX28" fmla="*/ 1950720 w 2722919"/>
+                <a:gd name="connsiteY28" fmla="*/ 182880 h 274320"/>
+                <a:gd name="connsiteX29" fmla="*/ 1971040 w 2722919"/>
+                <a:gd name="connsiteY29" fmla="*/ 152400 h 274320"/>
+                <a:gd name="connsiteX30" fmla="*/ 2032000 w 2722919"/>
+                <a:gd name="connsiteY30" fmla="*/ 132080 h 274320"/>
+                <a:gd name="connsiteX31" fmla="*/ 2042160 w 2722919"/>
+                <a:gd name="connsiteY31" fmla="*/ 162560 h 274320"/>
+                <a:gd name="connsiteX32" fmla="*/ 2072640 w 2722919"/>
+                <a:gd name="connsiteY32" fmla="*/ 274320 h 274320"/>
+                <a:gd name="connsiteX33" fmla="*/ 2082800 w 2722919"/>
+                <a:gd name="connsiteY33" fmla="*/ 243840 h 274320"/>
+                <a:gd name="connsiteX34" fmla="*/ 2092960 w 2722919"/>
+                <a:gd name="connsiteY34" fmla="*/ 203200 h 274320"/>
+                <a:gd name="connsiteX35" fmla="*/ 2113280 w 2722919"/>
+                <a:gd name="connsiteY35" fmla="*/ 152400 h 274320"/>
+                <a:gd name="connsiteX36" fmla="*/ 2123440 w 2722919"/>
+                <a:gd name="connsiteY36" fmla="*/ 91440 h 274320"/>
+                <a:gd name="connsiteX37" fmla="*/ 2143760 w 2722919"/>
+                <a:gd name="connsiteY37" fmla="*/ 50800 h 274320"/>
+                <a:gd name="connsiteX38" fmla="*/ 2164080 w 2722919"/>
+                <a:gd name="connsiteY38" fmla="*/ 0 h 274320"/>
+                <a:gd name="connsiteX39" fmla="*/ 2275840 w 2722919"/>
+                <a:gd name="connsiteY39" fmla="*/ 10160 h 274320"/>
+                <a:gd name="connsiteX40" fmla="*/ 2346960 w 2722919"/>
+                <a:gd name="connsiteY40" fmla="*/ 71120 h 274320"/>
+                <a:gd name="connsiteX41" fmla="*/ 2387600 w 2722919"/>
+                <a:gd name="connsiteY41" fmla="*/ 91440 h 274320"/>
+                <a:gd name="connsiteX42" fmla="*/ 2438400 w 2722919"/>
+                <a:gd name="connsiteY42" fmla="*/ 172720 h 274320"/>
+                <a:gd name="connsiteX43" fmla="*/ 2448560 w 2722919"/>
+                <a:gd name="connsiteY43" fmla="*/ 203200 h 274320"/>
+                <a:gd name="connsiteX44" fmla="*/ 2489200 w 2722919"/>
+                <a:gd name="connsiteY44" fmla="*/ 213360 h 274320"/>
+                <a:gd name="connsiteX45" fmla="*/ 2560320 w 2722919"/>
+                <a:gd name="connsiteY45" fmla="*/ 203200 h 274320"/>
+                <a:gd name="connsiteX46" fmla="*/ 2631440 w 2722919"/>
+                <a:gd name="connsiteY46" fmla="*/ 142240 h 274320"/>
+                <a:gd name="connsiteX47" fmla="*/ 2661920 w 2722919"/>
+                <a:gd name="connsiteY47" fmla="*/ 132080 h 274320"/>
+                <a:gd name="connsiteX48" fmla="*/ 2702560 w 2722919"/>
+                <a:gd name="connsiteY48" fmla="*/ 111760 h 274320"/>
+                <a:gd name="connsiteX49" fmla="*/ 2722880 w 2722919"/>
+                <a:gd name="connsiteY49" fmla="*/ 152400 h 274320"/>
+              </a:gdLst>
+              <a:ahLst/>
+              <a:cxnLst>
+                <a:cxn ang="0">
+                  <a:pos x="connsiteX0" y="connsiteY0"/>
+                </a:cxn>
+                <a:cxn ang="0">
+                  <a:pos x="connsiteX1" y="connsiteY1"/>
+                </a:cxn>
+                <a:cxn ang="0">
+                  <a:pos x="connsiteX2" y="connsiteY2"/>
+                </a:cxn>
+                <a:cxn ang="0">
+                  <a:pos x="connsiteX3" y="connsiteY3"/>
+                </a:cxn>
+                <a:cxn ang="0">
+                  <a:pos x="connsiteX4" y="connsiteY4"/>
+                </a:cxn>
+                <a:cxn ang="0">
+                  <a:pos x="connsiteX5" y="connsiteY5"/>
+                </a:cxn>
+                <a:cxn ang="0">
+                  <a:pos x="connsiteX6" y="connsiteY6"/>
+                </a:cxn>
+                <a:cxn ang="0">
+                  <a:pos x="connsiteX7" y="connsiteY7"/>
+                </a:cxn>
+                <a:cxn ang="0">
+                  <a:pos x="connsiteX8" y="connsiteY8"/>
+                </a:cxn>
+                <a:cxn ang="0">
+                  <a:pos x="connsiteX9" y="connsiteY9"/>
+                </a:cxn>
+                <a:cxn ang="0">
+                  <a:pos x="connsiteX10" y="connsiteY10"/>
+                </a:cxn>
+                <a:cxn ang="0">
+                  <a:pos x="connsiteX11" y="connsiteY11"/>
+                </a:cxn>
+                <a:cxn ang="0">
+                  <a:pos x="connsiteX12" y="connsiteY12"/>
+                </a:cxn>
+                <a:cxn ang="0">
+                  <a:pos x="connsiteX13" y="connsiteY13"/>
+                </a:cxn>
+                <a:cxn ang="0">
+                  <a:pos x="connsiteX14" y="connsiteY14"/>
+                </a:cxn>
+                <a:cxn ang="0">
+                  <a:pos x="connsiteX15" y="connsiteY15"/>
+                </a:cxn>
+                <a:cxn ang="0">
+                  <a:pos x="connsiteX16" y="connsiteY16"/>
+                </a:cxn>
+                <a:cxn ang="0">
+                  <a:pos x="connsiteX17" y="connsiteY17"/>
+                </a:cxn>
+                <a:cxn ang="0">
+                  <a:pos x="connsiteX18" y="connsiteY18"/>
+                </a:cxn>
+                <a:cxn ang="0">
+                  <a:pos x="connsiteX19" y="connsiteY19"/>
+                </a:cxn>
+                <a:cxn ang="0">
+                  <a:pos x="connsiteX20" y="connsiteY20"/>
+                </a:cxn>
+                <a:cxn ang="0">
+                  <a:pos x="connsiteX21" y="connsiteY21"/>
+                </a:cxn>
+                <a:cxn ang="0">
+                  <a:pos x="connsiteX22" y="connsiteY22"/>
+                </a:cxn>
+                <a:cxn ang="0">
+                  <a:pos x="connsiteX23" y="connsiteY23"/>
+                </a:cxn>
+                <a:cxn ang="0">
+                  <a:pos x="connsiteX24" y="connsiteY24"/>
+                </a:cxn>
+                <a:cxn ang="0">
+                  <a:pos x="connsiteX25" y="connsiteY25"/>
+                </a:cxn>
+                <a:cxn ang="0">
+                  <a:pos x="connsiteX26" y="connsiteY26"/>
+                </a:cxn>
+                <a:cxn ang="0">
+                  <a:pos x="connsiteX27" y="connsiteY27"/>
+                </a:cxn>
+                <a:cxn ang="0">
+                  <a:pos x="connsiteX28" y="connsiteY28"/>
+                </a:cxn>
+                <a:cxn ang="0">
+                  <a:pos x="connsiteX29" y="connsiteY29"/>
+                </a:cxn>
+                <a:cxn ang="0">
+                  <a:pos x="connsiteX30" y="connsiteY30"/>
+                </a:cxn>
+                <a:cxn ang="0">
+                  <a:pos x="connsiteX31" y="connsiteY31"/>
+                </a:cxn>
+                <a:cxn ang="0">
+                  <a:pos x="connsiteX32" y="connsiteY32"/>
+                </a:cxn>
+                <a:cxn ang="0">
+                  <a:pos x="connsiteX33" y="connsiteY33"/>
+                </a:cxn>
+                <a:cxn ang="0">
+                  <a:pos x="connsiteX34" y="connsiteY34"/>
+                </a:cxn>
+                <a:cxn ang="0">
+                  <a:pos x="connsiteX35" y="connsiteY35"/>
+                </a:cxn>
+                <a:cxn ang="0">
+                  <a:pos x="connsiteX36" y="connsiteY36"/>
+                </a:cxn>
+                <a:cxn ang="0">
+                  <a:pos x="connsiteX37" y="connsiteY37"/>
+                </a:cxn>
+                <a:cxn ang="0">
+                  <a:pos x="connsiteX38" y="connsiteY38"/>
+                </a:cxn>
+                <a:cxn ang="0">
+                  <a:pos x="connsiteX39" y="connsiteY39"/>
+                </a:cxn>
+                <a:cxn ang="0">
+                  <a:pos x="connsiteX40" y="connsiteY40"/>
+                </a:cxn>
+                <a:cxn ang="0">
+                  <a:pos x="connsiteX41" y="connsiteY41"/>
+                </a:cxn>
+                <a:cxn ang="0">
+                  <a:pos x="connsiteX42" y="connsiteY42"/>
+                </a:cxn>
+                <a:cxn ang="0">
+                  <a:pos x="connsiteX43" y="connsiteY43"/>
+                </a:cxn>
+                <a:cxn ang="0">
+                  <a:pos x="connsiteX44" y="connsiteY44"/>
+                </a:cxn>
+                <a:cxn ang="0">
+                  <a:pos x="connsiteX45" y="connsiteY45"/>
+                </a:cxn>
+                <a:cxn ang="0">
+                  <a:pos x="connsiteX46" y="connsiteY46"/>
+                </a:cxn>
+                <a:cxn ang="0">
+                  <a:pos x="connsiteX47" y="connsiteY47"/>
+                </a:cxn>
+                <a:cxn ang="0">
+                  <a:pos x="connsiteX48" y="connsiteY48"/>
+                </a:cxn>
+                <a:cxn ang="0">
+                  <a:pos x="connsiteX49" y="connsiteY49"/>
+                </a:cxn>
+              </a:cxnLst>
+              <a:rect l="l" t="t" r="r" b="b"/>
+              <a:pathLst>
+                <a:path w="2722919" h="274320">
+                  <a:moveTo>
+                    <a:pt x="0" y="264160"/>
+                  </a:moveTo>
+                  <a:cubicBezTo>
+                    <a:pt x="40640" y="254000"/>
+                    <a:pt x="87065" y="256917"/>
+                    <a:pt x="121920" y="233680"/>
+                  </a:cubicBezTo>
+                  <a:cubicBezTo>
+                    <a:pt x="132080" y="226907"/>
+                    <a:pt x="141478" y="218821"/>
+                    <a:pt x="152400" y="213360"/>
+                  </a:cubicBezTo>
+                  <a:cubicBezTo>
+                    <a:pt x="176697" y="201211"/>
+                    <a:pt x="207300" y="191673"/>
+                    <a:pt x="233680" y="182880"/>
+                  </a:cubicBezTo>
+                  <a:cubicBezTo>
+                    <a:pt x="326855" y="192197"/>
+                    <a:pt x="319214" y="189195"/>
+                    <a:pt x="396240" y="203200"/>
+                  </a:cubicBezTo>
+                  <a:cubicBezTo>
+                    <a:pt x="413230" y="206289"/>
+                    <a:pt x="430380" y="208816"/>
+                    <a:pt x="447040" y="213360"/>
+                  </a:cubicBezTo>
+                  <a:cubicBezTo>
+                    <a:pt x="467704" y="218996"/>
+                    <a:pt x="508000" y="233680"/>
+                    <a:pt x="508000" y="233680"/>
+                  </a:cubicBezTo>
+                  <a:cubicBezTo>
+                    <a:pt x="582507" y="230293"/>
+                    <a:pt x="657361" y="231466"/>
+                    <a:pt x="731520" y="223520"/>
+                  </a:cubicBezTo>
+                  <a:cubicBezTo>
+                    <a:pt x="752817" y="221238"/>
+                    <a:pt x="771276" y="206229"/>
+                    <a:pt x="792480" y="203200"/>
+                  </a:cubicBezTo>
+                  <a:lnTo>
+                    <a:pt x="863600" y="193040"/>
+                  </a:lnTo>
+                  <a:cubicBezTo>
+                    <a:pt x="883382" y="160071"/>
+                    <a:pt x="890599" y="127435"/>
+                    <a:pt x="934720" y="121920"/>
+                  </a:cubicBezTo>
+                  <a:cubicBezTo>
+                    <a:pt x="948576" y="120188"/>
+                    <a:pt x="961813" y="128693"/>
+                    <a:pt x="975360" y="132080"/>
+                  </a:cubicBezTo>
+                  <a:cubicBezTo>
+                    <a:pt x="982133" y="142240"/>
+                    <a:pt x="986145" y="154932"/>
+                    <a:pt x="995680" y="162560"/>
+                  </a:cubicBezTo>
+                  <a:cubicBezTo>
+                    <a:pt x="1004043" y="169250"/>
+                    <a:pt x="1015544" y="174135"/>
+                    <a:pt x="1026160" y="172720"/>
+                  </a:cubicBezTo>
+                  <a:cubicBezTo>
+                    <a:pt x="1081289" y="165369"/>
+                    <a:pt x="1128071" y="148910"/>
+                    <a:pt x="1178560" y="132080"/>
+                  </a:cubicBezTo>
+                  <a:cubicBezTo>
+                    <a:pt x="1198880" y="138853"/>
+                    <a:pt x="1222385" y="139549"/>
+                    <a:pt x="1239520" y="152400"/>
+                  </a:cubicBezTo>
+                  <a:cubicBezTo>
+                    <a:pt x="1299291" y="197228"/>
+                    <a:pt x="1214532" y="204367"/>
+                    <a:pt x="1300480" y="182880"/>
+                  </a:cubicBezTo>
+                  <a:cubicBezTo>
+                    <a:pt x="1313832" y="172866"/>
+                    <a:pt x="1376846" y="123427"/>
+                    <a:pt x="1391920" y="121920"/>
+                  </a:cubicBezTo>
+                  <a:cubicBezTo>
+                    <a:pt x="1410067" y="120105"/>
+                    <a:pt x="1425787" y="135467"/>
+                    <a:pt x="1442720" y="142240"/>
+                  </a:cubicBezTo>
+                  <a:cubicBezTo>
+                    <a:pt x="1449493" y="152400"/>
+                    <a:pt x="1453505" y="165092"/>
+                    <a:pt x="1463040" y="172720"/>
+                  </a:cubicBezTo>
+                  <a:cubicBezTo>
+                    <a:pt x="1471403" y="179410"/>
+                    <a:pt x="1482941" y="181210"/>
+                    <a:pt x="1493520" y="182880"/>
+                  </a:cubicBezTo>
+                  <a:cubicBezTo>
+                    <a:pt x="1547460" y="191397"/>
+                    <a:pt x="1601893" y="196427"/>
+                    <a:pt x="1656080" y="203200"/>
+                  </a:cubicBezTo>
+                  <a:cubicBezTo>
+                    <a:pt x="1666240" y="206587"/>
+                    <a:pt x="1675850" y="213360"/>
+                    <a:pt x="1686560" y="213360"/>
+                  </a:cubicBezTo>
+                  <a:cubicBezTo>
+                    <a:pt x="1697270" y="213360"/>
+                    <a:pt x="1707096" y="199223"/>
+                    <a:pt x="1717040" y="203200"/>
+                  </a:cubicBezTo>
+                  <a:cubicBezTo>
+                    <a:pt x="1728377" y="207735"/>
+                    <a:pt x="1730587" y="223520"/>
+                    <a:pt x="1737360" y="233680"/>
+                  </a:cubicBezTo>
+                  <a:cubicBezTo>
+                    <a:pt x="1750907" y="220133"/>
+                    <a:pt x="1766865" y="208629"/>
+                    <a:pt x="1778000" y="193040"/>
+                  </a:cubicBezTo>
+                  <a:cubicBezTo>
+                    <a:pt x="1784225" y="184325"/>
+                    <a:pt x="1777705" y="164883"/>
+                    <a:pt x="1788160" y="162560"/>
+                  </a:cubicBezTo>
+                  <a:cubicBezTo>
+                    <a:pt x="1814814" y="156637"/>
+                    <a:pt x="1842347" y="169333"/>
+                    <a:pt x="1869440" y="172720"/>
+                  </a:cubicBezTo>
+                  <a:cubicBezTo>
+                    <a:pt x="1884713" y="218538"/>
+                    <a:pt x="1875481" y="224679"/>
+                    <a:pt x="1950720" y="182880"/>
+                  </a:cubicBezTo>
+                  <a:cubicBezTo>
+                    <a:pt x="1961394" y="176950"/>
+                    <a:pt x="1960685" y="158872"/>
+                    <a:pt x="1971040" y="152400"/>
+                  </a:cubicBezTo>
+                  <a:cubicBezTo>
+                    <a:pt x="1989203" y="141048"/>
+                    <a:pt x="2032000" y="132080"/>
+                    <a:pt x="2032000" y="132080"/>
+                  </a:cubicBezTo>
+                  <a:cubicBezTo>
+                    <a:pt x="2035387" y="142240"/>
+                    <a:pt x="2039342" y="152228"/>
+                    <a:pt x="2042160" y="162560"/>
+                  </a:cubicBezTo>
+                  <a:cubicBezTo>
+                    <a:pt x="2076536" y="288606"/>
+                    <a:pt x="2049254" y="204163"/>
+                    <a:pt x="2072640" y="274320"/>
+                  </a:cubicBezTo>
+                  <a:cubicBezTo>
+                    <a:pt x="2076027" y="264160"/>
+                    <a:pt x="2079858" y="254138"/>
+                    <a:pt x="2082800" y="243840"/>
+                  </a:cubicBezTo>
+                  <a:cubicBezTo>
+                    <a:pt x="2086636" y="230414"/>
+                    <a:pt x="2088544" y="216447"/>
+                    <a:pt x="2092960" y="203200"/>
+                  </a:cubicBezTo>
+                  <a:cubicBezTo>
+                    <a:pt x="2098727" y="185898"/>
+                    <a:pt x="2106507" y="169333"/>
+                    <a:pt x="2113280" y="152400"/>
+                  </a:cubicBezTo>
+                  <a:cubicBezTo>
+                    <a:pt x="2116667" y="132080"/>
+                    <a:pt x="2117521" y="111171"/>
+                    <a:pt x="2123440" y="91440"/>
+                  </a:cubicBezTo>
+                  <a:cubicBezTo>
+                    <a:pt x="2127792" y="76933"/>
+                    <a:pt x="2137609" y="64640"/>
+                    <a:pt x="2143760" y="50800"/>
+                  </a:cubicBezTo>
+                  <a:cubicBezTo>
+                    <a:pt x="2151167" y="34134"/>
+                    <a:pt x="2157307" y="16933"/>
+                    <a:pt x="2164080" y="0"/>
+                  </a:cubicBezTo>
+                  <a:cubicBezTo>
+                    <a:pt x="2201333" y="3387"/>
+                    <a:pt x="2239696" y="522"/>
+                    <a:pt x="2275840" y="10160"/>
+                  </a:cubicBezTo>
+                  <a:cubicBezTo>
+                    <a:pt x="2303616" y="17567"/>
+                    <a:pt x="2325176" y="55560"/>
+                    <a:pt x="2346960" y="71120"/>
+                  </a:cubicBezTo>
+                  <a:cubicBezTo>
+                    <a:pt x="2359285" y="79923"/>
+                    <a:pt x="2374053" y="84667"/>
+                    <a:pt x="2387600" y="91440"/>
+                  </a:cubicBezTo>
+                  <a:cubicBezTo>
+                    <a:pt x="2403719" y="115619"/>
+                    <a:pt x="2426146" y="148212"/>
+                    <a:pt x="2438400" y="172720"/>
+                  </a:cubicBezTo>
+                  <a:cubicBezTo>
+                    <a:pt x="2443189" y="182299"/>
+                    <a:pt x="2440197" y="196510"/>
+                    <a:pt x="2448560" y="203200"/>
+                  </a:cubicBezTo>
+                  <a:cubicBezTo>
+                    <a:pt x="2459464" y="211923"/>
+                    <a:pt x="2475653" y="209973"/>
+                    <a:pt x="2489200" y="213360"/>
+                  </a:cubicBezTo>
+                  <a:cubicBezTo>
+                    <a:pt x="2512907" y="209973"/>
+                    <a:pt x="2537814" y="211384"/>
+                    <a:pt x="2560320" y="203200"/>
+                  </a:cubicBezTo>
+                  <a:cubicBezTo>
+                    <a:pt x="2601018" y="188401"/>
+                    <a:pt x="2598690" y="164073"/>
+                    <a:pt x="2631440" y="142240"/>
+                  </a:cubicBezTo>
+                  <a:cubicBezTo>
+                    <a:pt x="2640351" y="136299"/>
+                    <a:pt x="2652076" y="136299"/>
+                    <a:pt x="2661920" y="132080"/>
+                  </a:cubicBezTo>
+                  <a:cubicBezTo>
+                    <a:pt x="2675841" y="126114"/>
+                    <a:pt x="2689013" y="118533"/>
+                    <a:pt x="2702560" y="111760"/>
+                  </a:cubicBezTo>
+                  <a:cubicBezTo>
+                    <a:pt x="2724759" y="145058"/>
+                    <a:pt x="2722880" y="130029"/>
+                    <a:pt x="2722880" y="152400"/>
+                  </a:cubicBezTo>
+                </a:path>
+              </a:pathLst>
+            </a:custGeom>
+            <a:noFill/>
+            <a:ln>
+              <a:solidFill>
+                <a:schemeClr val="accent1"/>
+              </a:solidFill>
+            </a:ln>
+          </p:spPr>
+          <p:style>
+            <a:lnRef idx="2">
+              <a:schemeClr val="accent1">
+                <a:shade val="50000"/>
+              </a:schemeClr>
+            </a:lnRef>
+            <a:fillRef idx="1">
+              <a:schemeClr val="accent1"/>
+            </a:fillRef>
+            <a:effectRef idx="0">
+              <a:schemeClr val="accent1"/>
+            </a:effectRef>
+            <a:fontRef idx="minor">
+              <a:schemeClr val="lt1"/>
+            </a:fontRef>
+          </p:style>
+          <p:txBody>
+            <a:bodyPr rtlCol="0" anchor="ctr"/>
+            <a:lstStyle/>
+            <a:p>
+              <a:pPr algn="ctr"/>
+              <a:endParaRPr lang="de-AT"/>
+            </a:p>
+          </p:txBody>
+        </p:sp>
+      </p:grpSp>
+      <p:grpSp>
+        <p:nvGrpSpPr>
+          <p:cNvPr id="15" name="Gruppieren 14">
+            <a:extLst>
+              <a:ext uri="{FF2B5EF4-FFF2-40B4-BE49-F238E27FC236}">
+                <a16:creationId xmlns:a16="http://schemas.microsoft.com/office/drawing/2014/main" id="{0C756798-945C-4DAB-91BD-5144D07748DA}"/>
+              </a:ext>
+            </a:extLst>
+          </p:cNvPr>
+          <p:cNvGrpSpPr/>
+          <p:nvPr/>
+        </p:nvGrpSpPr>
+        <p:grpSpPr>
+          <a:xfrm>
+            <a:off x="6743700" y="3984625"/>
+            <a:ext cx="2710180" cy="704850"/>
+            <a:chOff x="6743700" y="3984625"/>
+            <a:chExt cx="2710180" cy="704850"/>
+          </a:xfrm>
+        </p:grpSpPr>
+        <p:sp>
+          <p:nvSpPr>
+            <p:cNvPr id="13" name="Rechteck 12">
+              <a:extLst>
+                <a:ext uri="{FF2B5EF4-FFF2-40B4-BE49-F238E27FC236}">
+                  <a16:creationId xmlns:a16="http://schemas.microsoft.com/office/drawing/2014/main" id="{969A5564-AE37-42BA-B661-A2418373F88A}"/>
+                </a:ext>
+              </a:extLst>
+            </p:cNvPr>
+            <p:cNvSpPr/>
+            <p:nvPr/>
+          </p:nvSpPr>
+          <p:spPr>
+            <a:xfrm>
+              <a:off x="6748780" y="3984625"/>
+              <a:ext cx="2705100" cy="704850"/>
+            </a:xfrm>
+            <a:prstGeom prst="rect">
+              <a:avLst/>
+            </a:prstGeom>
+            <a:solidFill>
+              <a:schemeClr val="bg2"/>
+            </a:solidFill>
+          </p:spPr>
+          <p:style>
+            <a:lnRef idx="2">
+              <a:schemeClr val="accent1">
+                <a:shade val="50000"/>
+              </a:schemeClr>
+            </a:lnRef>
+            <a:fillRef idx="1">
+              <a:schemeClr val="accent1"/>
+            </a:fillRef>
+            <a:effectRef idx="0">
+              <a:schemeClr val="accent1"/>
+            </a:effectRef>
+            <a:fontRef idx="minor">
+              <a:schemeClr val="lt1"/>
+            </a:fontRef>
+          </p:style>
+          <p:txBody>
+            <a:bodyPr rtlCol="0" anchor="ctr"/>
+            <a:lstStyle/>
+            <a:p>
+              <a:pPr algn="ctr"/>
+              <a:endParaRPr lang="de-AT"/>
+            </a:p>
+          </p:txBody>
+        </p:sp>
+        <p:sp>
+          <p:nvSpPr>
+            <p:cNvPr id="14" name="Freihandform: Form 13">
+              <a:extLst>
+                <a:ext uri="{FF2B5EF4-FFF2-40B4-BE49-F238E27FC236}">
+                  <a16:creationId xmlns:a16="http://schemas.microsoft.com/office/drawing/2014/main" id="{32AFC745-035C-4771-9282-2FF5059EA6AF}"/>
+                </a:ext>
+              </a:extLst>
+            </p:cNvPr>
+            <p:cNvSpPr/>
+            <p:nvPr/>
+          </p:nvSpPr>
+          <p:spPr>
+            <a:xfrm>
+              <a:off x="6743700" y="4145280"/>
+              <a:ext cx="2705100" cy="369570"/>
+            </a:xfrm>
+            <a:custGeom>
+              <a:avLst/>
+              <a:gdLst>
+                <a:gd name="connsiteX0" fmla="*/ 0 w 2705100"/>
+                <a:gd name="connsiteY0" fmla="*/ 232410 h 369570"/>
+                <a:gd name="connsiteX1" fmla="*/ 26670 w 2705100"/>
+                <a:gd name="connsiteY1" fmla="*/ 217170 h 369570"/>
+                <a:gd name="connsiteX2" fmla="*/ 38100 w 2705100"/>
+                <a:gd name="connsiteY2" fmla="*/ 205740 h 369570"/>
+                <a:gd name="connsiteX3" fmla="*/ 83820 w 2705100"/>
+                <a:gd name="connsiteY3" fmla="*/ 175260 h 369570"/>
+                <a:gd name="connsiteX4" fmla="*/ 99060 w 2705100"/>
+                <a:gd name="connsiteY4" fmla="*/ 171450 h 369570"/>
+                <a:gd name="connsiteX5" fmla="*/ 110490 w 2705100"/>
+                <a:gd name="connsiteY5" fmla="*/ 182880 h 369570"/>
+                <a:gd name="connsiteX6" fmla="*/ 121920 w 2705100"/>
+                <a:gd name="connsiteY6" fmla="*/ 209550 h 369570"/>
+                <a:gd name="connsiteX7" fmla="*/ 129540 w 2705100"/>
+                <a:gd name="connsiteY7" fmla="*/ 224790 h 369570"/>
+                <a:gd name="connsiteX8" fmla="*/ 140970 w 2705100"/>
+                <a:gd name="connsiteY8" fmla="*/ 251460 h 369570"/>
+                <a:gd name="connsiteX9" fmla="*/ 160020 w 2705100"/>
+                <a:gd name="connsiteY9" fmla="*/ 247650 h 369570"/>
+                <a:gd name="connsiteX10" fmla="*/ 217170 w 2705100"/>
+                <a:gd name="connsiteY10" fmla="*/ 175260 h 369570"/>
+                <a:gd name="connsiteX11" fmla="*/ 236220 w 2705100"/>
+                <a:gd name="connsiteY11" fmla="*/ 156210 h 369570"/>
+                <a:gd name="connsiteX12" fmla="*/ 259080 w 2705100"/>
+                <a:gd name="connsiteY12" fmla="*/ 125730 h 369570"/>
+                <a:gd name="connsiteX13" fmla="*/ 262890 w 2705100"/>
+                <a:gd name="connsiteY13" fmla="*/ 140970 h 369570"/>
+                <a:gd name="connsiteX14" fmla="*/ 274320 w 2705100"/>
+                <a:gd name="connsiteY14" fmla="*/ 228600 h 369570"/>
+                <a:gd name="connsiteX15" fmla="*/ 285750 w 2705100"/>
+                <a:gd name="connsiteY15" fmla="*/ 213360 h 369570"/>
+                <a:gd name="connsiteX16" fmla="*/ 304800 w 2705100"/>
+                <a:gd name="connsiteY16" fmla="*/ 194310 h 369570"/>
+                <a:gd name="connsiteX17" fmla="*/ 327660 w 2705100"/>
+                <a:gd name="connsiteY17" fmla="*/ 182880 h 369570"/>
+                <a:gd name="connsiteX18" fmla="*/ 358140 w 2705100"/>
+                <a:gd name="connsiteY18" fmla="*/ 163830 h 369570"/>
+                <a:gd name="connsiteX19" fmla="*/ 381000 w 2705100"/>
+                <a:gd name="connsiteY19" fmla="*/ 186690 h 369570"/>
+                <a:gd name="connsiteX20" fmla="*/ 396240 w 2705100"/>
+                <a:gd name="connsiteY20" fmla="*/ 224790 h 369570"/>
+                <a:gd name="connsiteX21" fmla="*/ 411480 w 2705100"/>
+                <a:gd name="connsiteY21" fmla="*/ 201930 h 369570"/>
+                <a:gd name="connsiteX22" fmla="*/ 434340 w 2705100"/>
+                <a:gd name="connsiteY22" fmla="*/ 171450 h 369570"/>
+                <a:gd name="connsiteX23" fmla="*/ 464820 w 2705100"/>
+                <a:gd name="connsiteY23" fmla="*/ 148590 h 369570"/>
+                <a:gd name="connsiteX24" fmla="*/ 472440 w 2705100"/>
+                <a:gd name="connsiteY24" fmla="*/ 160020 h 369570"/>
+                <a:gd name="connsiteX25" fmla="*/ 510540 w 2705100"/>
+                <a:gd name="connsiteY25" fmla="*/ 144780 h 369570"/>
+                <a:gd name="connsiteX26" fmla="*/ 556260 w 2705100"/>
+                <a:gd name="connsiteY26" fmla="*/ 125730 h 369570"/>
+                <a:gd name="connsiteX27" fmla="*/ 582930 w 2705100"/>
+                <a:gd name="connsiteY27" fmla="*/ 137160 h 369570"/>
+                <a:gd name="connsiteX28" fmla="*/ 609600 w 2705100"/>
+                <a:gd name="connsiteY28" fmla="*/ 160020 h 369570"/>
+                <a:gd name="connsiteX29" fmla="*/ 640080 w 2705100"/>
+                <a:gd name="connsiteY29" fmla="*/ 163830 h 369570"/>
+                <a:gd name="connsiteX30" fmla="*/ 659130 w 2705100"/>
+                <a:gd name="connsiteY30" fmla="*/ 182880 h 369570"/>
+                <a:gd name="connsiteX31" fmla="*/ 681990 w 2705100"/>
+                <a:gd name="connsiteY31" fmla="*/ 179070 h 369570"/>
+                <a:gd name="connsiteX32" fmla="*/ 731520 w 2705100"/>
+                <a:gd name="connsiteY32" fmla="*/ 163830 h 369570"/>
+                <a:gd name="connsiteX33" fmla="*/ 746760 w 2705100"/>
+                <a:gd name="connsiteY33" fmla="*/ 160020 h 369570"/>
+                <a:gd name="connsiteX34" fmla="*/ 781050 w 2705100"/>
+                <a:gd name="connsiteY34" fmla="*/ 171450 h 369570"/>
+                <a:gd name="connsiteX35" fmla="*/ 788670 w 2705100"/>
+                <a:gd name="connsiteY35" fmla="*/ 182880 h 369570"/>
+                <a:gd name="connsiteX36" fmla="*/ 800100 w 2705100"/>
+                <a:gd name="connsiteY36" fmla="*/ 194310 h 369570"/>
+                <a:gd name="connsiteX37" fmla="*/ 811530 w 2705100"/>
+                <a:gd name="connsiteY37" fmla="*/ 213360 h 369570"/>
+                <a:gd name="connsiteX38" fmla="*/ 819150 w 2705100"/>
+                <a:gd name="connsiteY38" fmla="*/ 224790 h 369570"/>
+                <a:gd name="connsiteX39" fmla="*/ 834390 w 2705100"/>
+                <a:gd name="connsiteY39" fmla="*/ 251460 h 369570"/>
+                <a:gd name="connsiteX40" fmla="*/ 872490 w 2705100"/>
+                <a:gd name="connsiteY40" fmla="*/ 270510 h 369570"/>
+                <a:gd name="connsiteX41" fmla="*/ 899160 w 2705100"/>
+                <a:gd name="connsiteY41" fmla="*/ 274320 h 369570"/>
+                <a:gd name="connsiteX42" fmla="*/ 914400 w 2705100"/>
+                <a:gd name="connsiteY42" fmla="*/ 278130 h 369570"/>
+                <a:gd name="connsiteX43" fmla="*/ 990600 w 2705100"/>
+                <a:gd name="connsiteY43" fmla="*/ 270510 h 369570"/>
+                <a:gd name="connsiteX44" fmla="*/ 1013460 w 2705100"/>
+                <a:gd name="connsiteY44" fmla="*/ 255270 h 369570"/>
+                <a:gd name="connsiteX45" fmla="*/ 1047750 w 2705100"/>
+                <a:gd name="connsiteY45" fmla="*/ 228600 h 369570"/>
+                <a:gd name="connsiteX46" fmla="*/ 1059180 w 2705100"/>
+                <a:gd name="connsiteY46" fmla="*/ 209550 h 369570"/>
+                <a:gd name="connsiteX47" fmla="*/ 1078230 w 2705100"/>
+                <a:gd name="connsiteY47" fmla="*/ 194310 h 369570"/>
+                <a:gd name="connsiteX48" fmla="*/ 1112520 w 2705100"/>
+                <a:gd name="connsiteY48" fmla="*/ 160020 h 369570"/>
+                <a:gd name="connsiteX49" fmla="*/ 1143000 w 2705100"/>
+                <a:gd name="connsiteY49" fmla="*/ 121920 h 369570"/>
+                <a:gd name="connsiteX50" fmla="*/ 1158240 w 2705100"/>
+                <a:gd name="connsiteY50" fmla="*/ 110490 h 369570"/>
+                <a:gd name="connsiteX51" fmla="*/ 1188720 w 2705100"/>
+                <a:gd name="connsiteY51" fmla="*/ 72390 h 369570"/>
+                <a:gd name="connsiteX52" fmla="*/ 1211580 w 2705100"/>
+                <a:gd name="connsiteY52" fmla="*/ 57150 h 369570"/>
+                <a:gd name="connsiteX53" fmla="*/ 1242060 w 2705100"/>
+                <a:gd name="connsiteY53" fmla="*/ 38100 h 369570"/>
+                <a:gd name="connsiteX54" fmla="*/ 1257300 w 2705100"/>
+                <a:gd name="connsiteY54" fmla="*/ 34290 h 369570"/>
+                <a:gd name="connsiteX55" fmla="*/ 1283970 w 2705100"/>
+                <a:gd name="connsiteY55" fmla="*/ 53340 h 369570"/>
+                <a:gd name="connsiteX56" fmla="*/ 1310640 w 2705100"/>
+                <a:gd name="connsiteY56" fmla="*/ 87630 h 369570"/>
+                <a:gd name="connsiteX57" fmla="*/ 1329690 w 2705100"/>
+                <a:gd name="connsiteY57" fmla="*/ 121920 h 369570"/>
+                <a:gd name="connsiteX58" fmla="*/ 1333500 w 2705100"/>
+                <a:gd name="connsiteY58" fmla="*/ 137160 h 369570"/>
+                <a:gd name="connsiteX59" fmla="*/ 1344930 w 2705100"/>
+                <a:gd name="connsiteY59" fmla="*/ 156210 h 369570"/>
+                <a:gd name="connsiteX60" fmla="*/ 1352550 w 2705100"/>
+                <a:gd name="connsiteY60" fmla="*/ 167640 h 369570"/>
+                <a:gd name="connsiteX61" fmla="*/ 1360170 w 2705100"/>
+                <a:gd name="connsiteY61" fmla="*/ 190500 h 369570"/>
+                <a:gd name="connsiteX62" fmla="*/ 1363980 w 2705100"/>
+                <a:gd name="connsiteY62" fmla="*/ 201930 h 369570"/>
+                <a:gd name="connsiteX63" fmla="*/ 1367790 w 2705100"/>
+                <a:gd name="connsiteY63" fmla="*/ 217170 h 369570"/>
+                <a:gd name="connsiteX64" fmla="*/ 1379220 w 2705100"/>
+                <a:gd name="connsiteY64" fmla="*/ 236220 h 369570"/>
+                <a:gd name="connsiteX65" fmla="*/ 1398270 w 2705100"/>
+                <a:gd name="connsiteY65" fmla="*/ 262890 h 369570"/>
+                <a:gd name="connsiteX66" fmla="*/ 1413510 w 2705100"/>
+                <a:gd name="connsiteY66" fmla="*/ 285750 h 369570"/>
+                <a:gd name="connsiteX67" fmla="*/ 1421130 w 2705100"/>
+                <a:gd name="connsiteY67" fmla="*/ 308610 h 369570"/>
+                <a:gd name="connsiteX68" fmla="*/ 1447800 w 2705100"/>
+                <a:gd name="connsiteY68" fmla="*/ 335280 h 369570"/>
+                <a:gd name="connsiteX69" fmla="*/ 1455420 w 2705100"/>
+                <a:gd name="connsiteY69" fmla="*/ 346710 h 369570"/>
+                <a:gd name="connsiteX70" fmla="*/ 1466850 w 2705100"/>
+                <a:gd name="connsiteY70" fmla="*/ 354330 h 369570"/>
+                <a:gd name="connsiteX71" fmla="*/ 1493520 w 2705100"/>
+                <a:gd name="connsiteY71" fmla="*/ 369570 h 369570"/>
+                <a:gd name="connsiteX72" fmla="*/ 1680210 w 2705100"/>
+                <a:gd name="connsiteY72" fmla="*/ 361950 h 369570"/>
+                <a:gd name="connsiteX73" fmla="*/ 1691640 w 2705100"/>
+                <a:gd name="connsiteY73" fmla="*/ 354330 h 369570"/>
+                <a:gd name="connsiteX74" fmla="*/ 1710690 w 2705100"/>
+                <a:gd name="connsiteY74" fmla="*/ 335280 h 369570"/>
+                <a:gd name="connsiteX75" fmla="*/ 1718310 w 2705100"/>
+                <a:gd name="connsiteY75" fmla="*/ 323850 h 369570"/>
+                <a:gd name="connsiteX76" fmla="*/ 1725930 w 2705100"/>
+                <a:gd name="connsiteY76" fmla="*/ 304800 h 369570"/>
+                <a:gd name="connsiteX77" fmla="*/ 1729740 w 2705100"/>
+                <a:gd name="connsiteY77" fmla="*/ 281940 h 369570"/>
+                <a:gd name="connsiteX78" fmla="*/ 1748790 w 2705100"/>
+                <a:gd name="connsiteY78" fmla="*/ 232410 h 369570"/>
+                <a:gd name="connsiteX79" fmla="*/ 1760220 w 2705100"/>
+                <a:gd name="connsiteY79" fmla="*/ 209550 h 369570"/>
+                <a:gd name="connsiteX80" fmla="*/ 1775460 w 2705100"/>
+                <a:gd name="connsiteY80" fmla="*/ 186690 h 369570"/>
+                <a:gd name="connsiteX81" fmla="*/ 1805940 w 2705100"/>
+                <a:gd name="connsiteY81" fmla="*/ 144780 h 369570"/>
+                <a:gd name="connsiteX82" fmla="*/ 1836420 w 2705100"/>
+                <a:gd name="connsiteY82" fmla="*/ 76200 h 369570"/>
+                <a:gd name="connsiteX83" fmla="*/ 1859280 w 2705100"/>
+                <a:gd name="connsiteY83" fmla="*/ 57150 h 369570"/>
+                <a:gd name="connsiteX84" fmla="*/ 1870710 w 2705100"/>
+                <a:gd name="connsiteY84" fmla="*/ 45720 h 369570"/>
+                <a:gd name="connsiteX85" fmla="*/ 1893570 w 2705100"/>
+                <a:gd name="connsiteY85" fmla="*/ 30480 h 369570"/>
+                <a:gd name="connsiteX86" fmla="*/ 1908810 w 2705100"/>
+                <a:gd name="connsiteY86" fmla="*/ 15240 h 369570"/>
+                <a:gd name="connsiteX87" fmla="*/ 1935480 w 2705100"/>
+                <a:gd name="connsiteY87" fmla="*/ 0 h 369570"/>
+                <a:gd name="connsiteX88" fmla="*/ 1988820 w 2705100"/>
+                <a:gd name="connsiteY88" fmla="*/ 3810 h 369570"/>
+                <a:gd name="connsiteX89" fmla="*/ 2000250 w 2705100"/>
+                <a:gd name="connsiteY89" fmla="*/ 11430 h 369570"/>
+                <a:gd name="connsiteX90" fmla="*/ 2015490 w 2705100"/>
+                <a:gd name="connsiteY90" fmla="*/ 22860 h 369570"/>
+                <a:gd name="connsiteX91" fmla="*/ 2049780 w 2705100"/>
+                <a:gd name="connsiteY91" fmla="*/ 57150 h 369570"/>
+                <a:gd name="connsiteX92" fmla="*/ 2057400 w 2705100"/>
+                <a:gd name="connsiteY92" fmla="*/ 76200 h 369570"/>
+                <a:gd name="connsiteX93" fmla="*/ 2065020 w 2705100"/>
+                <a:gd name="connsiteY93" fmla="*/ 91440 h 369570"/>
+                <a:gd name="connsiteX94" fmla="*/ 2068830 w 2705100"/>
+                <a:gd name="connsiteY94" fmla="*/ 106680 h 369570"/>
+                <a:gd name="connsiteX95" fmla="*/ 2076450 w 2705100"/>
+                <a:gd name="connsiteY95" fmla="*/ 121920 h 369570"/>
+                <a:gd name="connsiteX96" fmla="*/ 2080260 w 2705100"/>
+                <a:gd name="connsiteY96" fmla="*/ 133350 h 369570"/>
+                <a:gd name="connsiteX97" fmla="*/ 2087880 w 2705100"/>
+                <a:gd name="connsiteY97" fmla="*/ 144780 h 369570"/>
+                <a:gd name="connsiteX98" fmla="*/ 2095500 w 2705100"/>
+                <a:gd name="connsiteY98" fmla="*/ 171450 h 369570"/>
+                <a:gd name="connsiteX99" fmla="*/ 2320290 w 2705100"/>
+                <a:gd name="connsiteY99" fmla="*/ 167640 h 369570"/>
+                <a:gd name="connsiteX100" fmla="*/ 2339340 w 2705100"/>
+                <a:gd name="connsiteY100" fmla="*/ 175260 h 369570"/>
+                <a:gd name="connsiteX101" fmla="*/ 2350770 w 2705100"/>
+                <a:gd name="connsiteY101" fmla="*/ 167640 h 369570"/>
+                <a:gd name="connsiteX102" fmla="*/ 2366010 w 2705100"/>
+                <a:gd name="connsiteY102" fmla="*/ 171450 h 369570"/>
+                <a:gd name="connsiteX103" fmla="*/ 2377440 w 2705100"/>
+                <a:gd name="connsiteY103" fmla="*/ 201930 h 369570"/>
+                <a:gd name="connsiteX104" fmla="*/ 2388870 w 2705100"/>
+                <a:gd name="connsiteY104" fmla="*/ 198120 h 369570"/>
+                <a:gd name="connsiteX105" fmla="*/ 2407920 w 2705100"/>
+                <a:gd name="connsiteY105" fmla="*/ 217170 h 369570"/>
+                <a:gd name="connsiteX106" fmla="*/ 2426970 w 2705100"/>
+                <a:gd name="connsiteY106" fmla="*/ 220980 h 369570"/>
+                <a:gd name="connsiteX107" fmla="*/ 2434590 w 2705100"/>
+                <a:gd name="connsiteY107" fmla="*/ 270510 h 369570"/>
+                <a:gd name="connsiteX108" fmla="*/ 2442210 w 2705100"/>
+                <a:gd name="connsiteY108" fmla="*/ 281940 h 369570"/>
+                <a:gd name="connsiteX109" fmla="*/ 2446020 w 2705100"/>
+                <a:gd name="connsiteY109" fmla="*/ 300990 h 369570"/>
+                <a:gd name="connsiteX110" fmla="*/ 2457450 w 2705100"/>
+                <a:gd name="connsiteY110" fmla="*/ 312420 h 369570"/>
+                <a:gd name="connsiteX111" fmla="*/ 2480310 w 2705100"/>
+                <a:gd name="connsiteY111" fmla="*/ 293370 h 369570"/>
+                <a:gd name="connsiteX112" fmla="*/ 2487930 w 2705100"/>
+                <a:gd name="connsiteY112" fmla="*/ 270510 h 369570"/>
+                <a:gd name="connsiteX113" fmla="*/ 2495550 w 2705100"/>
+                <a:gd name="connsiteY113" fmla="*/ 240030 h 369570"/>
+                <a:gd name="connsiteX114" fmla="*/ 2503170 w 2705100"/>
+                <a:gd name="connsiteY114" fmla="*/ 228600 h 369570"/>
+                <a:gd name="connsiteX115" fmla="*/ 2586990 w 2705100"/>
+                <a:gd name="connsiteY115" fmla="*/ 232410 h 369570"/>
+                <a:gd name="connsiteX116" fmla="*/ 2609850 w 2705100"/>
+                <a:gd name="connsiteY116" fmla="*/ 240030 h 369570"/>
+                <a:gd name="connsiteX117" fmla="*/ 2667000 w 2705100"/>
+                <a:gd name="connsiteY117" fmla="*/ 236220 h 369570"/>
+                <a:gd name="connsiteX118" fmla="*/ 2674620 w 2705100"/>
+                <a:gd name="connsiteY118" fmla="*/ 224790 h 369570"/>
+                <a:gd name="connsiteX119" fmla="*/ 2697480 w 2705100"/>
+                <a:gd name="connsiteY119" fmla="*/ 213360 h 369570"/>
+                <a:gd name="connsiteX120" fmla="*/ 2705100 w 2705100"/>
+                <a:gd name="connsiteY120" fmla="*/ 217170 h 369570"/>
+              </a:gdLst>
+              <a:ahLst/>
+              <a:cxnLst>
+                <a:cxn ang="0">
+                  <a:pos x="connsiteX0" y="connsiteY0"/>
+                </a:cxn>
+                <a:cxn ang="0">
+                  <a:pos x="connsiteX1" y="connsiteY1"/>
+                </a:cxn>
+                <a:cxn ang="0">
+                  <a:pos x="connsiteX2" y="connsiteY2"/>
+                </a:cxn>
+                <a:cxn ang="0">
+                  <a:pos x="connsiteX3" y="connsiteY3"/>
+                </a:cxn>
+                <a:cxn ang="0">
+                  <a:pos x="connsiteX4" y="connsiteY4"/>
+                </a:cxn>
+                <a:cxn ang="0">
+                  <a:pos x="connsiteX5" y="connsiteY5"/>
+                </a:cxn>
+                <a:cxn ang="0">
+                  <a:pos x="connsiteX6" y="connsiteY6"/>
+                </a:cxn>
+                <a:cxn ang="0">
+                  <a:pos x="connsiteX7" y="connsiteY7"/>
+                </a:cxn>
+                <a:cxn ang="0">
+                  <a:pos x="connsiteX8" y="connsiteY8"/>
+                </a:cxn>
+                <a:cxn ang="0">
+                  <a:pos x="connsiteX9" y="connsiteY9"/>
+                </a:cxn>
+                <a:cxn ang="0">
+                  <a:pos x="connsiteX10" y="connsiteY10"/>
+                </a:cxn>
+                <a:cxn ang="0">
+                  <a:pos x="connsiteX11" y="connsiteY11"/>
+                </a:cxn>
+                <a:cxn ang="0">
+                  <a:pos x="connsiteX12" y="connsiteY12"/>
+                </a:cxn>
+                <a:cxn ang="0">
+                  <a:pos x="connsiteX13" y="connsiteY13"/>
+                </a:cxn>
+                <a:cxn ang="0">
+                  <a:pos x="connsiteX14" y="connsiteY14"/>
+                </a:cxn>
+                <a:cxn ang="0">
+                  <a:pos x="connsiteX15" y="connsiteY15"/>
+                </a:cxn>
+                <a:cxn ang="0">
+                  <a:pos x="connsiteX16" y="connsiteY16"/>
+                </a:cxn>
+                <a:cxn ang="0">
+                  <a:pos x="connsiteX17" y="connsiteY17"/>
+                </a:cxn>
+                <a:cxn ang="0">
+                  <a:pos x="connsiteX18" y="connsiteY18"/>
+                </a:cxn>
+                <a:cxn ang="0">
+                  <a:pos x="connsiteX19" y="connsiteY19"/>
+                </a:cxn>
+                <a:cxn ang="0">
+                  <a:pos x="connsiteX20" y="connsiteY20"/>
+                </a:cxn>
+                <a:cxn ang="0">
+                  <a:pos x="connsiteX21" y="connsiteY21"/>
+                </a:cxn>
+                <a:cxn ang="0">
+                  <a:pos x="connsiteX22" y="connsiteY22"/>
+                </a:cxn>
+                <a:cxn ang="0">
+                  <a:pos x="connsiteX23" y="connsiteY23"/>
+                </a:cxn>
+                <a:cxn ang="0">
+                  <a:pos x="connsiteX24" y="connsiteY24"/>
+                </a:cxn>
+                <a:cxn ang="0">
+                  <a:pos x="connsiteX25" y="connsiteY25"/>
+                </a:cxn>
+                <a:cxn ang="0">
+                  <a:pos x="connsiteX26" y="connsiteY26"/>
+                </a:cxn>
+                <a:cxn ang="0">
+                  <a:pos x="connsiteX27" y="connsiteY27"/>
+                </a:cxn>
+                <a:cxn ang="0">
+                  <a:pos x="connsiteX28" y="connsiteY28"/>
+                </a:cxn>
+                <a:cxn ang="0">
+                  <a:pos x="connsiteX29" y="connsiteY29"/>
+                </a:cxn>
+                <a:cxn ang="0">
+                  <a:pos x="connsiteX30" y="connsiteY30"/>
+                </a:cxn>
+                <a:cxn ang="0">
+                  <a:pos x="connsiteX31" y="connsiteY31"/>
+                </a:cxn>
+                <a:cxn ang="0">
+                  <a:pos x="connsiteX32" y="connsiteY32"/>
+                </a:cxn>
+                <a:cxn ang="0">
+                  <a:pos x="connsiteX33" y="connsiteY33"/>
+                </a:cxn>
+                <a:cxn ang="0">
+                  <a:pos x="connsiteX34" y="connsiteY34"/>
+                </a:cxn>
+                <a:cxn ang="0">
+                  <a:pos x="connsiteX35" y="connsiteY35"/>
+                </a:cxn>
+                <a:cxn ang="0">
+                  <a:pos x="connsiteX36" y="connsiteY36"/>
+                </a:cxn>
+                <a:cxn ang="0">
+                  <a:pos x="connsiteX37" y="connsiteY37"/>
+                </a:cxn>
+                <a:cxn ang="0">
+                  <a:pos x="connsiteX38" y="connsiteY38"/>
+                </a:cxn>
+                <a:cxn ang="0">
+                  <a:pos x="connsiteX39" y="connsiteY39"/>
+                </a:cxn>
+                <a:cxn ang="0">
+                  <a:pos x="connsiteX40" y="connsiteY40"/>
+                </a:cxn>
+                <a:cxn ang="0">
+                  <a:pos x="connsiteX41" y="connsiteY41"/>
+                </a:cxn>
+                <a:cxn ang="0">
+                  <a:pos x="connsiteX42" y="connsiteY42"/>
+                </a:cxn>
+                <a:cxn ang="0">
+                  <a:pos x="connsiteX43" y="connsiteY43"/>
+                </a:cxn>
+                <a:cxn ang="0">
+                  <a:pos x="connsiteX44" y="connsiteY44"/>
+                </a:cxn>
+                <a:cxn ang="0">
+                  <a:pos x="connsiteX45" y="connsiteY45"/>
+                </a:cxn>
+                <a:cxn ang="0">
+                  <a:pos x="connsiteX46" y="connsiteY46"/>
+                </a:cxn>
+                <a:cxn ang="0">
+                  <a:pos x="connsiteX47" y="connsiteY47"/>
+                </a:cxn>
+                <a:cxn ang="0">
+                  <a:pos x="connsiteX48" y="connsiteY48"/>
+                </a:cxn>
+                <a:cxn ang="0">
+                  <a:pos x="connsiteX49" y="connsiteY49"/>
+                </a:cxn>
+                <a:cxn ang="0">
+                  <a:pos x="connsiteX50" y="connsiteY50"/>
+                </a:cxn>
+                <a:cxn ang="0">
+                  <a:pos x="connsiteX51" y="connsiteY51"/>
+                </a:cxn>
+                <a:cxn ang="0">
+                  <a:pos x="connsiteX52" y="connsiteY52"/>
+                </a:cxn>
+                <a:cxn ang="0">
+                  <a:pos x="connsiteX53" y="connsiteY53"/>
+                </a:cxn>
+                <a:cxn ang="0">
+                  <a:pos x="connsiteX54" y="connsiteY54"/>
+                </a:cxn>
+                <a:cxn ang="0">
+                  <a:pos x="connsiteX55" y="connsiteY55"/>
+                </a:cxn>
+                <a:cxn ang="0">
+                  <a:pos x="connsiteX56" y="connsiteY56"/>
+                </a:cxn>
+                <a:cxn ang="0">
+                  <a:pos x="connsiteX57" y="connsiteY57"/>
+                </a:cxn>
+                <a:cxn ang="0">
+                  <a:pos x="connsiteX58" y="connsiteY58"/>
+                </a:cxn>
+                <a:cxn ang="0">
+                  <a:pos x="connsiteX59" y="connsiteY59"/>
+                </a:cxn>
+                <a:cxn ang="0">
+                  <a:pos x="connsiteX60" y="connsiteY60"/>
+                </a:cxn>
+                <a:cxn ang="0">
+                  <a:pos x="connsiteX61" y="connsiteY61"/>
+                </a:cxn>
+                <a:cxn ang="0">
+                  <a:pos x="connsiteX62" y="connsiteY62"/>
+                </a:cxn>
+                <a:cxn ang="0">
+                  <a:pos x="connsiteX63" y="connsiteY63"/>
+                </a:cxn>
+                <a:cxn ang="0">
+                  <a:pos x="connsiteX64" y="connsiteY64"/>
+                </a:cxn>
+                <a:cxn ang="0">
+                  <a:pos x="connsiteX65" y="connsiteY65"/>
+                </a:cxn>
+                <a:cxn ang="0">
+                  <a:pos x="connsiteX66" y="connsiteY66"/>
+                </a:cxn>
+                <a:cxn ang="0">
+                  <a:pos x="connsiteX67" y="connsiteY67"/>
+                </a:cxn>
+                <a:cxn ang="0">
+                  <a:pos x="connsiteX68" y="connsiteY68"/>
+                </a:cxn>
+                <a:cxn ang="0">
+                  <a:pos x="connsiteX69" y="connsiteY69"/>
+                </a:cxn>
+                <a:cxn ang="0">
+                  <a:pos x="connsiteX70" y="connsiteY70"/>
+                </a:cxn>
+                <a:cxn ang="0">
+                  <a:pos x="connsiteX71" y="connsiteY71"/>
+                </a:cxn>
+                <a:cxn ang="0">
+                  <a:pos x="connsiteX72" y="connsiteY72"/>
+                </a:cxn>
+                <a:cxn ang="0">
+                  <a:pos x="connsiteX73" y="connsiteY73"/>
+                </a:cxn>
+                <a:cxn ang="0">
+                  <a:pos x="connsiteX74" y="connsiteY74"/>
+                </a:cxn>
+                <a:cxn ang="0">
+                  <a:pos x="connsiteX75" y="connsiteY75"/>
+                </a:cxn>
+                <a:cxn ang="0">
+                  <a:pos x="connsiteX76" y="connsiteY76"/>
+                </a:cxn>
+                <a:cxn ang="0">
+                  <a:pos x="connsiteX77" y="connsiteY77"/>
+                </a:cxn>
+                <a:cxn ang="0">
+                  <a:pos x="connsiteX78" y="connsiteY78"/>
+                </a:cxn>
+                <a:cxn ang="0">
+                  <a:pos x="connsiteX79" y="connsiteY79"/>
+                </a:cxn>
+                <a:cxn ang="0">
+                  <a:pos x="connsiteX80" y="connsiteY80"/>
+                </a:cxn>
+                <a:cxn ang="0">
+                  <a:pos x="connsiteX81" y="connsiteY81"/>
+                </a:cxn>
+                <a:cxn ang="0">
+                  <a:pos x="connsiteX82" y="connsiteY82"/>
+                </a:cxn>
+                <a:cxn ang="0">
+                  <a:pos x="connsiteX83" y="connsiteY83"/>
+                </a:cxn>
+                <a:cxn ang="0">
+                  <a:pos x="connsiteX84" y="connsiteY84"/>
+                </a:cxn>
+                <a:cxn ang="0">
+                  <a:pos x="connsiteX85" y="connsiteY85"/>
+                </a:cxn>
+                <a:cxn ang="0">
+                  <a:pos x="connsiteX86" y="connsiteY86"/>
+                </a:cxn>
+                <a:cxn ang="0">
+                  <a:pos x="connsiteX87" y="connsiteY87"/>
+                </a:cxn>
+                <a:cxn ang="0">
+                  <a:pos x="connsiteX88" y="connsiteY88"/>
+                </a:cxn>
+                <a:cxn ang="0">
+                  <a:pos x="connsiteX89" y="connsiteY89"/>
+                </a:cxn>
+                <a:cxn ang="0">
+                  <a:pos x="connsiteX90" y="connsiteY90"/>
+                </a:cxn>
+                <a:cxn ang="0">
+                  <a:pos x="connsiteX91" y="connsiteY91"/>
+                </a:cxn>
+                <a:cxn ang="0">
+                  <a:pos x="connsiteX92" y="connsiteY92"/>
+                </a:cxn>
+                <a:cxn ang="0">
+                  <a:pos x="connsiteX93" y="connsiteY93"/>
+                </a:cxn>
+                <a:cxn ang="0">
+                  <a:pos x="connsiteX94" y="connsiteY94"/>
+                </a:cxn>
+                <a:cxn ang="0">
+                  <a:pos x="connsiteX95" y="connsiteY95"/>
+                </a:cxn>
+                <a:cxn ang="0">
+                  <a:pos x="connsiteX96" y="connsiteY96"/>
+                </a:cxn>
+                <a:cxn ang="0">
+                  <a:pos x="connsiteX97" y="connsiteY97"/>
+                </a:cxn>
+                <a:cxn ang="0">
+                  <a:pos x="connsiteX98" y="connsiteY98"/>
+                </a:cxn>
+                <a:cxn ang="0">
+                  <a:pos x="connsiteX99" y="connsiteY99"/>
+                </a:cxn>
+                <a:cxn ang="0">
+                  <a:pos x="connsiteX100" y="connsiteY100"/>
+                </a:cxn>
+                <a:cxn ang="0">
+                  <a:pos x="connsiteX101" y="connsiteY101"/>
+                </a:cxn>
+                <a:cxn ang="0">
+                  <a:pos x="connsiteX102" y="connsiteY102"/>
+                </a:cxn>
+                <a:cxn ang="0">
+                  <a:pos x="connsiteX103" y="connsiteY103"/>
+                </a:cxn>
+                <a:cxn ang="0">
+                  <a:pos x="connsiteX104" y="connsiteY104"/>
+                </a:cxn>
+                <a:cxn ang="0">
+                  <a:pos x="connsiteX105" y="connsiteY105"/>
+                </a:cxn>
+                <a:cxn ang="0">
+                  <a:pos x="connsiteX106" y="connsiteY106"/>
+                </a:cxn>
+                <a:cxn ang="0">
+                  <a:pos x="connsiteX107" y="connsiteY107"/>
+                </a:cxn>
+                <a:cxn ang="0">
+                  <a:pos x="connsiteX108" y="connsiteY108"/>
+                </a:cxn>
+                <a:cxn ang="0">
+                  <a:pos x="connsiteX109" y="connsiteY109"/>
+                </a:cxn>
+                <a:cxn ang="0">
+                  <a:pos x="connsiteX110" y="connsiteY110"/>
+                </a:cxn>
+                <a:cxn ang="0">
+                  <a:pos x="connsiteX111" y="connsiteY111"/>
+                </a:cxn>
+                <a:cxn ang="0">
+                  <a:pos x="connsiteX112" y="connsiteY112"/>
+                </a:cxn>
+                <a:cxn ang="0">
+                  <a:pos x="connsiteX113" y="connsiteY113"/>
+                </a:cxn>
+                <a:cxn ang="0">
+                  <a:pos x="connsiteX114" y="connsiteY114"/>
+                </a:cxn>
+                <a:cxn ang="0">
+                  <a:pos x="connsiteX115" y="connsiteY115"/>
+                </a:cxn>
+                <a:cxn ang="0">
+                  <a:pos x="connsiteX116" y="connsiteY116"/>
+                </a:cxn>
+                <a:cxn ang="0">
+                  <a:pos x="connsiteX117" y="connsiteY117"/>
+                </a:cxn>
+                <a:cxn ang="0">
+                  <a:pos x="connsiteX118" y="connsiteY118"/>
+                </a:cxn>
+                <a:cxn ang="0">
+                  <a:pos x="connsiteX119" y="connsiteY119"/>
+                </a:cxn>
+                <a:cxn ang="0">
+                  <a:pos x="connsiteX120" y="connsiteY120"/>
+                </a:cxn>
+              </a:cxnLst>
+              <a:rect l="l" t="t" r="r" b="b"/>
+              <a:pathLst>
+                <a:path w="2705100" h="369570">
+                  <a:moveTo>
+                    <a:pt x="0" y="232410"/>
+                  </a:moveTo>
+                  <a:cubicBezTo>
+                    <a:pt x="8890" y="227330"/>
+                    <a:pt x="18282" y="223042"/>
+                    <a:pt x="26670" y="217170"/>
+                  </a:cubicBezTo>
+                  <a:cubicBezTo>
+                    <a:pt x="31084" y="214080"/>
+                    <a:pt x="33930" y="209152"/>
+                    <a:pt x="38100" y="205740"/>
+                  </a:cubicBezTo>
+                  <a:cubicBezTo>
+                    <a:pt x="50960" y="195218"/>
+                    <a:pt x="67133" y="181518"/>
+                    <a:pt x="83820" y="175260"/>
+                  </a:cubicBezTo>
+                  <a:cubicBezTo>
+                    <a:pt x="88723" y="173421"/>
+                    <a:pt x="93980" y="172720"/>
+                    <a:pt x="99060" y="171450"/>
+                  </a:cubicBezTo>
+                  <a:cubicBezTo>
+                    <a:pt x="102870" y="175260"/>
+                    <a:pt x="107358" y="178495"/>
+                    <a:pt x="110490" y="182880"/>
+                  </a:cubicBezTo>
+                  <a:cubicBezTo>
+                    <a:pt x="119516" y="195516"/>
+                    <a:pt x="116590" y="197113"/>
+                    <a:pt x="121920" y="209550"/>
+                  </a:cubicBezTo>
+                  <a:cubicBezTo>
+                    <a:pt x="124157" y="214770"/>
+                    <a:pt x="127303" y="219570"/>
+                    <a:pt x="129540" y="224790"/>
+                  </a:cubicBezTo>
+                  <a:cubicBezTo>
+                    <a:pt x="146358" y="264032"/>
+                    <a:pt x="115698" y="200915"/>
+                    <a:pt x="140970" y="251460"/>
+                  </a:cubicBezTo>
+                  <a:cubicBezTo>
+                    <a:pt x="147320" y="250190"/>
+                    <a:pt x="154798" y="251480"/>
+                    <a:pt x="160020" y="247650"/>
+                  </a:cubicBezTo>
+                  <a:cubicBezTo>
+                    <a:pt x="211316" y="210033"/>
+                    <a:pt x="186521" y="218168"/>
+                    <a:pt x="217170" y="175260"/>
+                  </a:cubicBezTo>
+                  <a:cubicBezTo>
+                    <a:pt x="222390" y="167952"/>
+                    <a:pt x="230213" y="162885"/>
+                    <a:pt x="236220" y="156210"/>
+                  </a:cubicBezTo>
+                  <a:cubicBezTo>
+                    <a:pt x="247856" y="143281"/>
+                    <a:pt x="250589" y="138466"/>
+                    <a:pt x="259080" y="125730"/>
+                  </a:cubicBezTo>
+                  <a:cubicBezTo>
+                    <a:pt x="260350" y="130810"/>
+                    <a:pt x="262123" y="135790"/>
+                    <a:pt x="262890" y="140970"/>
+                  </a:cubicBezTo>
+                  <a:cubicBezTo>
+                    <a:pt x="267207" y="170109"/>
+                    <a:pt x="265449" y="200510"/>
+                    <a:pt x="274320" y="228600"/>
+                  </a:cubicBezTo>
+                  <a:cubicBezTo>
+                    <a:pt x="276232" y="234655"/>
+                    <a:pt x="281531" y="218106"/>
+                    <a:pt x="285750" y="213360"/>
+                  </a:cubicBezTo>
+                  <a:cubicBezTo>
+                    <a:pt x="291716" y="206648"/>
+                    <a:pt x="297537" y="199592"/>
+                    <a:pt x="304800" y="194310"/>
+                  </a:cubicBezTo>
+                  <a:cubicBezTo>
+                    <a:pt x="311690" y="189299"/>
+                    <a:pt x="320181" y="186960"/>
+                    <a:pt x="327660" y="182880"/>
+                  </a:cubicBezTo>
+                  <a:cubicBezTo>
+                    <a:pt x="340297" y="175987"/>
+                    <a:pt x="346942" y="171295"/>
+                    <a:pt x="358140" y="163830"/>
+                  </a:cubicBezTo>
+                  <a:cubicBezTo>
+                    <a:pt x="376613" y="173066"/>
+                    <a:pt x="372687" y="167294"/>
+                    <a:pt x="381000" y="186690"/>
+                  </a:cubicBezTo>
+                  <a:cubicBezTo>
+                    <a:pt x="386388" y="199262"/>
+                    <a:pt x="396240" y="224790"/>
+                    <a:pt x="396240" y="224790"/>
+                  </a:cubicBezTo>
+                  <a:cubicBezTo>
+                    <a:pt x="405299" y="197612"/>
+                    <a:pt x="392454" y="230470"/>
+                    <a:pt x="411480" y="201930"/>
+                  </a:cubicBezTo>
+                  <a:cubicBezTo>
+                    <a:pt x="429582" y="174776"/>
+                    <a:pt x="386841" y="209449"/>
+                    <a:pt x="434340" y="171450"/>
+                  </a:cubicBezTo>
+                  <a:cubicBezTo>
+                    <a:pt x="481681" y="133578"/>
+                    <a:pt x="430931" y="182479"/>
+                    <a:pt x="464820" y="148590"/>
+                  </a:cubicBezTo>
+                  <a:cubicBezTo>
+                    <a:pt x="467360" y="152400"/>
+                    <a:pt x="468037" y="158762"/>
+                    <a:pt x="472440" y="160020"/>
+                  </a:cubicBezTo>
+                  <a:cubicBezTo>
+                    <a:pt x="484697" y="163522"/>
+                    <a:pt x="502009" y="149519"/>
+                    <a:pt x="510540" y="144780"/>
+                  </a:cubicBezTo>
+                  <a:cubicBezTo>
+                    <a:pt x="525192" y="136640"/>
+                    <a:pt x="540428" y="131007"/>
+                    <a:pt x="556260" y="125730"/>
+                  </a:cubicBezTo>
+                  <a:cubicBezTo>
+                    <a:pt x="565150" y="129540"/>
+                    <a:pt x="574636" y="132184"/>
+                    <a:pt x="582930" y="137160"/>
+                  </a:cubicBezTo>
+                  <a:cubicBezTo>
+                    <a:pt x="596810" y="145488"/>
+                    <a:pt x="592454" y="154305"/>
+                    <a:pt x="609600" y="160020"/>
+                  </a:cubicBezTo>
+                  <a:cubicBezTo>
+                    <a:pt x="619314" y="163258"/>
+                    <a:pt x="629920" y="162560"/>
+                    <a:pt x="640080" y="163830"/>
+                  </a:cubicBezTo>
+                  <a:cubicBezTo>
+                    <a:pt x="644144" y="169926"/>
+                    <a:pt x="649986" y="181864"/>
+                    <a:pt x="659130" y="182880"/>
+                  </a:cubicBezTo>
+                  <a:cubicBezTo>
+                    <a:pt x="666808" y="183733"/>
+                    <a:pt x="674370" y="180340"/>
+                    <a:pt x="681990" y="179070"/>
+                  </a:cubicBezTo>
+                  <a:cubicBezTo>
+                    <a:pt x="710764" y="167561"/>
+                    <a:pt x="694405" y="173109"/>
+                    <a:pt x="731520" y="163830"/>
+                  </a:cubicBezTo>
+                  <a:lnTo>
+                    <a:pt x="746760" y="160020"/>
+                  </a:lnTo>
+                  <a:cubicBezTo>
+                    <a:pt x="758190" y="163830"/>
+                    <a:pt x="770473" y="165681"/>
+                    <a:pt x="781050" y="171450"/>
+                  </a:cubicBezTo>
+                  <a:cubicBezTo>
+                    <a:pt x="785070" y="173643"/>
+                    <a:pt x="785739" y="179362"/>
+                    <a:pt x="788670" y="182880"/>
+                  </a:cubicBezTo>
+                  <a:cubicBezTo>
+                    <a:pt x="792119" y="187019"/>
+                    <a:pt x="796867" y="189999"/>
+                    <a:pt x="800100" y="194310"/>
+                  </a:cubicBezTo>
+                  <a:cubicBezTo>
+                    <a:pt x="804543" y="200234"/>
+                    <a:pt x="807605" y="207080"/>
+                    <a:pt x="811530" y="213360"/>
+                  </a:cubicBezTo>
+                  <a:cubicBezTo>
+                    <a:pt x="813957" y="217243"/>
+                    <a:pt x="816878" y="220814"/>
+                    <a:pt x="819150" y="224790"/>
+                  </a:cubicBezTo>
+                  <a:cubicBezTo>
+                    <a:pt x="821906" y="229613"/>
+                    <a:pt x="829192" y="247004"/>
+                    <a:pt x="834390" y="251460"/>
+                  </a:cubicBezTo>
+                  <a:cubicBezTo>
+                    <a:pt x="841817" y="257826"/>
+                    <a:pt x="862715" y="268066"/>
+                    <a:pt x="872490" y="270510"/>
+                  </a:cubicBezTo>
+                  <a:cubicBezTo>
+                    <a:pt x="881202" y="272688"/>
+                    <a:pt x="890325" y="272714"/>
+                    <a:pt x="899160" y="274320"/>
+                  </a:cubicBezTo>
+                  <a:cubicBezTo>
+                    <a:pt x="904312" y="275257"/>
+                    <a:pt x="909320" y="276860"/>
+                    <a:pt x="914400" y="278130"/>
+                  </a:cubicBezTo>
+                  <a:cubicBezTo>
+                    <a:pt x="939800" y="275590"/>
+                    <a:pt x="965727" y="276250"/>
+                    <a:pt x="990600" y="270510"/>
+                  </a:cubicBezTo>
+                  <a:cubicBezTo>
+                    <a:pt x="999524" y="268451"/>
+                    <a:pt x="1006231" y="260893"/>
+                    <a:pt x="1013460" y="255270"/>
+                  </a:cubicBezTo>
+                  <a:lnTo>
+                    <a:pt x="1047750" y="228600"/>
+                  </a:lnTo>
+                  <a:cubicBezTo>
+                    <a:pt x="1051560" y="222250"/>
+                    <a:pt x="1054260" y="215085"/>
+                    <a:pt x="1059180" y="209550"/>
+                  </a:cubicBezTo>
+                  <a:cubicBezTo>
+                    <a:pt x="1064583" y="203472"/>
+                    <a:pt x="1072271" y="199843"/>
+                    <a:pt x="1078230" y="194310"/>
+                  </a:cubicBezTo>
+                  <a:cubicBezTo>
+                    <a:pt x="1090075" y="183311"/>
+                    <a:pt x="1102422" y="172642"/>
+                    <a:pt x="1112520" y="160020"/>
+                  </a:cubicBezTo>
+                  <a:cubicBezTo>
+                    <a:pt x="1122680" y="147320"/>
+                    <a:pt x="1129989" y="131678"/>
+                    <a:pt x="1143000" y="121920"/>
+                  </a:cubicBezTo>
+                  <a:cubicBezTo>
+                    <a:pt x="1148080" y="118110"/>
+                    <a:pt x="1153933" y="115156"/>
+                    <a:pt x="1158240" y="110490"/>
+                  </a:cubicBezTo>
+                  <a:cubicBezTo>
+                    <a:pt x="1169272" y="98539"/>
+                    <a:pt x="1175188" y="81412"/>
+                    <a:pt x="1188720" y="72390"/>
+                  </a:cubicBezTo>
+                  <a:cubicBezTo>
+                    <a:pt x="1196340" y="67310"/>
+                    <a:pt x="1204077" y="62402"/>
+                    <a:pt x="1211580" y="57150"/>
+                  </a:cubicBezTo>
+                  <a:cubicBezTo>
+                    <a:pt x="1225412" y="47468"/>
+                    <a:pt x="1226464" y="43948"/>
+                    <a:pt x="1242060" y="38100"/>
+                  </a:cubicBezTo>
+                  <a:cubicBezTo>
+                    <a:pt x="1246963" y="36261"/>
+                    <a:pt x="1252220" y="35560"/>
+                    <a:pt x="1257300" y="34290"/>
+                  </a:cubicBezTo>
+                  <a:cubicBezTo>
+                    <a:pt x="1263060" y="38130"/>
+                    <a:pt x="1280257" y="49289"/>
+                    <a:pt x="1283970" y="53340"/>
+                  </a:cubicBezTo>
+                  <a:cubicBezTo>
+                    <a:pt x="1293755" y="64014"/>
+                    <a:pt x="1304164" y="74678"/>
+                    <a:pt x="1310640" y="87630"/>
+                  </a:cubicBezTo>
+                  <a:cubicBezTo>
+                    <a:pt x="1321572" y="109494"/>
+                    <a:pt x="1315338" y="98000"/>
+                    <a:pt x="1329690" y="121920"/>
+                  </a:cubicBezTo>
+                  <a:cubicBezTo>
+                    <a:pt x="1330960" y="127000"/>
+                    <a:pt x="1331373" y="132375"/>
+                    <a:pt x="1333500" y="137160"/>
+                  </a:cubicBezTo>
+                  <a:cubicBezTo>
+                    <a:pt x="1336508" y="143927"/>
+                    <a:pt x="1341005" y="149930"/>
+                    <a:pt x="1344930" y="156210"/>
+                  </a:cubicBezTo>
+                  <a:cubicBezTo>
+                    <a:pt x="1347357" y="160093"/>
+                    <a:pt x="1350690" y="163456"/>
+                    <a:pt x="1352550" y="167640"/>
+                  </a:cubicBezTo>
+                  <a:cubicBezTo>
+                    <a:pt x="1355812" y="174980"/>
+                    <a:pt x="1357630" y="182880"/>
+                    <a:pt x="1360170" y="190500"/>
+                  </a:cubicBezTo>
+                  <a:cubicBezTo>
+                    <a:pt x="1361440" y="194310"/>
+                    <a:pt x="1363006" y="198034"/>
+                    <a:pt x="1363980" y="201930"/>
+                  </a:cubicBezTo>
+                  <a:cubicBezTo>
+                    <a:pt x="1365250" y="207010"/>
+                    <a:pt x="1365663" y="212385"/>
+                    <a:pt x="1367790" y="217170"/>
+                  </a:cubicBezTo>
+                  <a:cubicBezTo>
+                    <a:pt x="1370798" y="223937"/>
+                    <a:pt x="1375295" y="229940"/>
+                    <a:pt x="1379220" y="236220"/>
+                  </a:cubicBezTo>
+                  <a:cubicBezTo>
+                    <a:pt x="1386184" y="247362"/>
+                    <a:pt x="1389887" y="251713"/>
+                    <a:pt x="1398270" y="262890"/>
+                  </a:cubicBezTo>
+                  <a:cubicBezTo>
+                    <a:pt x="1410875" y="300704"/>
+                    <a:pt x="1389727" y="242941"/>
+                    <a:pt x="1413510" y="285750"/>
+                  </a:cubicBezTo>
+                  <a:cubicBezTo>
+                    <a:pt x="1417411" y="292771"/>
+                    <a:pt x="1416558" y="302006"/>
+                    <a:pt x="1421130" y="308610"/>
+                  </a:cubicBezTo>
+                  <a:cubicBezTo>
+                    <a:pt x="1428286" y="318947"/>
+                    <a:pt x="1440826" y="324819"/>
+                    <a:pt x="1447800" y="335280"/>
+                  </a:cubicBezTo>
+                  <a:cubicBezTo>
+                    <a:pt x="1450340" y="339090"/>
+                    <a:pt x="1452182" y="343472"/>
+                    <a:pt x="1455420" y="346710"/>
+                  </a:cubicBezTo>
+                  <a:cubicBezTo>
+                    <a:pt x="1458658" y="349948"/>
+                    <a:pt x="1463124" y="351668"/>
+                    <a:pt x="1466850" y="354330"/>
+                  </a:cubicBezTo>
+                  <a:cubicBezTo>
+                    <a:pt x="1487033" y="368746"/>
+                    <a:pt x="1474972" y="363387"/>
+                    <a:pt x="1493520" y="369570"/>
+                  </a:cubicBezTo>
+                  <a:cubicBezTo>
+                    <a:pt x="1555750" y="367030"/>
+                    <a:pt x="1618112" y="366727"/>
+                    <a:pt x="1680210" y="361950"/>
+                  </a:cubicBezTo>
+                  <a:cubicBezTo>
+                    <a:pt x="1684776" y="361599"/>
+                    <a:pt x="1688194" y="357345"/>
+                    <a:pt x="1691640" y="354330"/>
+                  </a:cubicBezTo>
+                  <a:cubicBezTo>
+                    <a:pt x="1698398" y="348416"/>
+                    <a:pt x="1704776" y="342038"/>
+                    <a:pt x="1710690" y="335280"/>
+                  </a:cubicBezTo>
+                  <a:cubicBezTo>
+                    <a:pt x="1713705" y="331834"/>
+                    <a:pt x="1716262" y="327946"/>
+                    <a:pt x="1718310" y="323850"/>
+                  </a:cubicBezTo>
+                  <a:cubicBezTo>
+                    <a:pt x="1721369" y="317733"/>
+                    <a:pt x="1723390" y="311150"/>
+                    <a:pt x="1725930" y="304800"/>
+                  </a:cubicBezTo>
+                  <a:cubicBezTo>
+                    <a:pt x="1727200" y="297180"/>
+                    <a:pt x="1727866" y="289434"/>
+                    <a:pt x="1729740" y="281940"/>
+                  </a:cubicBezTo>
+                  <a:cubicBezTo>
+                    <a:pt x="1733492" y="266932"/>
+                    <a:pt x="1742537" y="245959"/>
+                    <a:pt x="1748790" y="232410"/>
+                  </a:cubicBezTo>
+                  <a:cubicBezTo>
+                    <a:pt x="1752360" y="224675"/>
+                    <a:pt x="1755927" y="216909"/>
+                    <a:pt x="1760220" y="209550"/>
+                  </a:cubicBezTo>
+                  <a:cubicBezTo>
+                    <a:pt x="1764835" y="201639"/>
+                    <a:pt x="1770073" y="194096"/>
+                    <a:pt x="1775460" y="186690"/>
+                  </a:cubicBezTo>
+                  <a:cubicBezTo>
+                    <a:pt x="1786583" y="171396"/>
+                    <a:pt x="1797269" y="162123"/>
+                    <a:pt x="1805940" y="144780"/>
+                  </a:cubicBezTo>
+                  <a:cubicBezTo>
+                    <a:pt x="1809411" y="137839"/>
+                    <a:pt x="1828340" y="84280"/>
+                    <a:pt x="1836420" y="76200"/>
+                  </a:cubicBezTo>
+                  <a:cubicBezTo>
+                    <a:pt x="1869813" y="42807"/>
+                    <a:pt x="1827454" y="83672"/>
+                    <a:pt x="1859280" y="57150"/>
+                  </a:cubicBezTo>
+                  <a:cubicBezTo>
+                    <a:pt x="1863419" y="53701"/>
+                    <a:pt x="1866457" y="49028"/>
+                    <a:pt x="1870710" y="45720"/>
+                  </a:cubicBezTo>
+                  <a:cubicBezTo>
+                    <a:pt x="1877939" y="40097"/>
+                    <a:pt x="1887094" y="36956"/>
+                    <a:pt x="1893570" y="30480"/>
+                  </a:cubicBezTo>
+                  <a:cubicBezTo>
+                    <a:pt x="1898650" y="25400"/>
+                    <a:pt x="1903355" y="19915"/>
+                    <a:pt x="1908810" y="15240"/>
+                  </a:cubicBezTo>
+                  <a:cubicBezTo>
+                    <a:pt x="1916349" y="8778"/>
+                    <a:pt x="1926832" y="4324"/>
+                    <a:pt x="1935480" y="0"/>
+                  </a:cubicBezTo>
+                  <a:cubicBezTo>
+                    <a:pt x="1953260" y="1270"/>
+                    <a:pt x="1971266" y="712"/>
+                    <a:pt x="1988820" y="3810"/>
+                  </a:cubicBezTo>
+                  <a:cubicBezTo>
+                    <a:pt x="1993329" y="4606"/>
+                    <a:pt x="1996524" y="8768"/>
+                    <a:pt x="2000250" y="11430"/>
+                  </a:cubicBezTo>
+                  <a:cubicBezTo>
+                    <a:pt x="2005417" y="15121"/>
+                    <a:pt x="2010824" y="18553"/>
+                    <a:pt x="2015490" y="22860"/>
+                  </a:cubicBezTo>
+                  <a:cubicBezTo>
+                    <a:pt x="2027368" y="33824"/>
+                    <a:pt x="2049780" y="57150"/>
+                    <a:pt x="2049780" y="57150"/>
+                  </a:cubicBezTo>
+                  <a:cubicBezTo>
+                    <a:pt x="2052320" y="63500"/>
+                    <a:pt x="2054622" y="69950"/>
+                    <a:pt x="2057400" y="76200"/>
+                  </a:cubicBezTo>
+                  <a:cubicBezTo>
+                    <a:pt x="2059707" y="81390"/>
+                    <a:pt x="2063026" y="86122"/>
+                    <a:pt x="2065020" y="91440"/>
+                  </a:cubicBezTo>
+                  <a:cubicBezTo>
+                    <a:pt x="2066859" y="96343"/>
+                    <a:pt x="2066991" y="101777"/>
+                    <a:pt x="2068830" y="106680"/>
+                  </a:cubicBezTo>
+                  <a:cubicBezTo>
+                    <a:pt x="2070824" y="111998"/>
+                    <a:pt x="2074213" y="116700"/>
+                    <a:pt x="2076450" y="121920"/>
+                  </a:cubicBezTo>
+                  <a:cubicBezTo>
+                    <a:pt x="2078032" y="125611"/>
+                    <a:pt x="2078464" y="129758"/>
+                    <a:pt x="2080260" y="133350"/>
+                  </a:cubicBezTo>
+                  <a:cubicBezTo>
+                    <a:pt x="2082308" y="137446"/>
+                    <a:pt x="2085832" y="140684"/>
+                    <a:pt x="2087880" y="144780"/>
+                  </a:cubicBezTo>
+                  <a:cubicBezTo>
+                    <a:pt x="2090613" y="150246"/>
+                    <a:pt x="2094279" y="166567"/>
+                    <a:pt x="2095500" y="171450"/>
+                  </a:cubicBezTo>
+                  <a:cubicBezTo>
+                    <a:pt x="2170430" y="170180"/>
+                    <a:pt x="2245391" y="165143"/>
+                    <a:pt x="2320290" y="167640"/>
+                  </a:cubicBezTo>
+                  <a:cubicBezTo>
+                    <a:pt x="2382987" y="169730"/>
+                    <a:pt x="2245584" y="198699"/>
+                    <a:pt x="2339340" y="175260"/>
+                  </a:cubicBezTo>
+                  <a:cubicBezTo>
+                    <a:pt x="2343150" y="172720"/>
+                    <a:pt x="2346237" y="168288"/>
+                    <a:pt x="2350770" y="167640"/>
+                  </a:cubicBezTo>
+                  <a:cubicBezTo>
+                    <a:pt x="2355954" y="166899"/>
+                    <a:pt x="2361987" y="168098"/>
+                    <a:pt x="2366010" y="171450"/>
+                  </a:cubicBezTo>
+                  <a:cubicBezTo>
+                    <a:pt x="2372302" y="176693"/>
+                    <a:pt x="2375636" y="194715"/>
+                    <a:pt x="2377440" y="201930"/>
+                  </a:cubicBezTo>
+                  <a:cubicBezTo>
+                    <a:pt x="2381250" y="200660"/>
+                    <a:pt x="2384909" y="197460"/>
+                    <a:pt x="2388870" y="198120"/>
+                  </a:cubicBezTo>
+                  <a:cubicBezTo>
+                    <a:pt x="2408592" y="201407"/>
+                    <a:pt x="2393278" y="208803"/>
+                    <a:pt x="2407920" y="217170"/>
+                  </a:cubicBezTo>
+                  <a:cubicBezTo>
+                    <a:pt x="2413543" y="220383"/>
+                    <a:pt x="2420620" y="219710"/>
+                    <a:pt x="2426970" y="220980"/>
+                  </a:cubicBezTo>
+                  <a:cubicBezTo>
+                    <a:pt x="2427735" y="227864"/>
+                    <a:pt x="2429641" y="258961"/>
+                    <a:pt x="2434590" y="270510"/>
+                  </a:cubicBezTo>
+                  <a:cubicBezTo>
+                    <a:pt x="2436394" y="274719"/>
+                    <a:pt x="2439670" y="278130"/>
+                    <a:pt x="2442210" y="281940"/>
+                  </a:cubicBezTo>
+                  <a:cubicBezTo>
+                    <a:pt x="2443480" y="288290"/>
+                    <a:pt x="2443124" y="295198"/>
+                    <a:pt x="2446020" y="300990"/>
+                  </a:cubicBezTo>
+                  <a:cubicBezTo>
+                    <a:pt x="2448430" y="305809"/>
+                    <a:pt x="2452135" y="311534"/>
+                    <a:pt x="2457450" y="312420"/>
+                  </a:cubicBezTo>
+                  <a:cubicBezTo>
+                    <a:pt x="2461997" y="313178"/>
+                    <a:pt x="2479017" y="294663"/>
+                    <a:pt x="2480310" y="293370"/>
+                  </a:cubicBezTo>
+                  <a:cubicBezTo>
+                    <a:pt x="2482850" y="285750"/>
+                    <a:pt x="2485817" y="278259"/>
+                    <a:pt x="2487930" y="270510"/>
+                  </a:cubicBezTo>
+                  <a:cubicBezTo>
+                    <a:pt x="2490538" y="260946"/>
+                    <a:pt x="2490926" y="249278"/>
+                    <a:pt x="2495550" y="240030"/>
+                  </a:cubicBezTo>
+                  <a:cubicBezTo>
+                    <a:pt x="2497598" y="235934"/>
+                    <a:pt x="2500630" y="232410"/>
+                    <a:pt x="2503170" y="228600"/>
+                  </a:cubicBezTo>
+                  <a:cubicBezTo>
+                    <a:pt x="2531110" y="229870"/>
+                    <a:pt x="2559180" y="229430"/>
+                    <a:pt x="2586990" y="232410"/>
+                  </a:cubicBezTo>
+                  <a:cubicBezTo>
+                    <a:pt x="2594976" y="233266"/>
+                    <a:pt x="2609850" y="240030"/>
+                    <a:pt x="2609850" y="240030"/>
+                  </a:cubicBezTo>
+                  <a:cubicBezTo>
+                    <a:pt x="2628900" y="238760"/>
+                    <a:pt x="2648415" y="240593"/>
+                    <a:pt x="2667000" y="236220"/>
+                  </a:cubicBezTo>
+                  <a:cubicBezTo>
+                    <a:pt x="2671457" y="235171"/>
+                    <a:pt x="2671382" y="228028"/>
+                    <a:pt x="2674620" y="224790"/>
+                  </a:cubicBezTo>
+                  <a:cubicBezTo>
+                    <a:pt x="2678473" y="220937"/>
+                    <a:pt x="2691282" y="213360"/>
+                    <a:pt x="2697480" y="213360"/>
+                  </a:cubicBezTo>
+                  <a:cubicBezTo>
+                    <a:pt x="2700320" y="213360"/>
+                    <a:pt x="2702560" y="215900"/>
+                    <a:pt x="2705100" y="217170"/>
+                  </a:cubicBezTo>
+                </a:path>
+              </a:pathLst>
+            </a:custGeom>
+            <a:noFill/>
+            <a:ln>
+              <a:solidFill>
+                <a:schemeClr val="accent2"/>
+              </a:solidFill>
+            </a:ln>
+          </p:spPr>
+          <p:style>
+            <a:lnRef idx="2">
+              <a:schemeClr val="accent1">
+                <a:shade val="50000"/>
+              </a:schemeClr>
+            </a:lnRef>
+            <a:fillRef idx="1">
+              <a:schemeClr val="accent1"/>
+            </a:fillRef>
+            <a:effectRef idx="0">
+              <a:schemeClr val="accent1"/>
+            </a:effectRef>
+            <a:fontRef idx="minor">
+              <a:schemeClr val="lt1"/>
+            </a:fontRef>
+          </p:style>
+          <p:txBody>
+            <a:bodyPr rtlCol="0" anchor="ctr"/>
+            <a:lstStyle/>
+            <a:p>
+              <a:pPr algn="ctr"/>
+              <a:endParaRPr lang="de-AT"/>
+            </a:p>
+          </p:txBody>
+        </p:sp>
+      </p:grpSp>
+    </p:spTree>
+    <p:extLst>
+      <p:ext uri="{BB962C8B-B14F-4D97-AF65-F5344CB8AC3E}">
+        <p14:creationId xmlns:p14="http://schemas.microsoft.com/office/powerpoint/2010/main" val="1808208440"/>
+      </p:ext>
+    </p:extLst>
+  </p:cSld>
+  <p:clrMapOvr>
+    <a:masterClrMapping/>
+  </p:clrMapOvr>
+  <mc:AlternateContent xmlns:mc="http://schemas.openxmlformats.org/markup-compatibility/2006" xmlns:p14="http://schemas.microsoft.com/office/powerpoint/2010/main">
+    <mc:Choice Requires="p14">
+      <p:transition spd="med" p14:dur="700">
+        <p:fade/>
+      </p:transition>
+    </mc:Choice>
+    <mc:Fallback xmlns="">
+      <p:transition spd="med">
+        <p:fade/>
+      </p:transition>
+    </mc:Fallback>
+  </mc:AlternateContent>
+</p:sld>
+</file>
+
+<file path=ppt/slides/slide15.xml><?xml version="1.0" encoding="utf-8"?>
+<p:sld xmlns:a="http://schemas.openxmlformats.org/drawingml/2006/main" xmlns:r="http://schemas.openxmlformats.org/officeDocument/2006/relationships" xmlns:p="http://schemas.openxmlformats.org/presentationml/2006/main">
+  <p:cSld>
+    <p:spTree>
+      <p:nvGrpSpPr>
+        <p:cNvPr id="1" name=""/>
+        <p:cNvGrpSpPr/>
+        <p:nvPr/>
+      </p:nvGrpSpPr>
+      <p:grpSpPr>
+        <a:xfrm>
+          <a:off x="0" y="0"/>
+          <a:ext cx="0" cy="0"/>
+          <a:chOff x="0" y="0"/>
+          <a:chExt cx="0" cy="0"/>
+        </a:xfrm>
+      </p:grpSpPr>
+      <p:pic>
+        <p:nvPicPr>
+          <p:cNvPr id="4" name="Grafik 3">
+            <a:extLst>
+              <a:ext uri="{FF2B5EF4-FFF2-40B4-BE49-F238E27FC236}">
+                <a16:creationId xmlns:a16="http://schemas.microsoft.com/office/drawing/2014/main" id="{DC0D87C5-90C8-4EB9-B0D3-E0A5B81B65FF}"/>
+              </a:ext>
+            </a:extLst>
+          </p:cNvPr>
+          <p:cNvPicPr>
+            <a:picLocks noChangeAspect="1"/>
+          </p:cNvPicPr>
+          <p:nvPr/>
+        </p:nvPicPr>
+        <p:blipFill>
+          <a:blip r:embed="rId3"/>
+          <a:stretch>
+            <a:fillRect/>
+          </a:stretch>
+        </p:blipFill>
+        <p:spPr>
+          <a:xfrm>
+            <a:off x="3224212" y="1600200"/>
+            <a:ext cx="5743575" cy="4524375"/>
+          </a:xfrm>
+          <a:prstGeom prst="rect">
+            <a:avLst/>
+          </a:prstGeom>
+        </p:spPr>
+      </p:pic>
+      <p:sp>
+        <p:nvSpPr>
+          <p:cNvPr id="5" name="Titel 1">
+            <a:extLst>
+              <a:ext uri="{FF2B5EF4-FFF2-40B4-BE49-F238E27FC236}">
+                <a16:creationId xmlns:a16="http://schemas.microsoft.com/office/drawing/2014/main" id="{C7762FE1-A167-4F08-9FD4-E1D2D8031DFE}"/>
+              </a:ext>
+            </a:extLst>
+          </p:cNvPr>
+          <p:cNvSpPr txBox="1">
+            <a:spLocks/>
+          </p:cNvSpPr>
+          <p:nvPr/>
+        </p:nvSpPr>
+        <p:spPr>
+          <a:xfrm>
+            <a:off x="1524000" y="457200"/>
+            <a:ext cx="9144000" cy="1143000"/>
+          </a:xfrm>
+          <a:prstGeom prst="rect">
+            <a:avLst/>
+          </a:prstGeom>
+        </p:spPr>
+        <p:txBody>
+          <a:bodyPr/>
+          <a:lstStyle>
+            <a:lvl1pPr algn="l" defTabSz="914400" rtl="0" eaLnBrk="1" latinLnBrk="0" hangingPunct="1">
+              <a:lnSpc>
+                <a:spcPct val="90000"/>
+              </a:lnSpc>
+              <a:spcBef>
+                <a:spcPct val="0"/>
+              </a:spcBef>
+              <a:buNone/>
+              <a:defRPr sz="3400" kern="1200" cap="all" baseline="0">
+                <a:solidFill>
+                  <a:schemeClr val="accent1">
+                    <a:lumMod val="75000"/>
+                  </a:schemeClr>
+                </a:solidFill>
+                <a:latin typeface="+mj-lt"/>
+                <a:ea typeface="+mj-ea"/>
+                <a:cs typeface="+mj-cs"/>
+              </a:defRPr>
+            </a:lvl1pPr>
+          </a:lstStyle>
+          <a:p>
+            <a:r>
+              <a:rPr lang="de-AT" dirty="0"/>
+              <a:t>Beispiel Nach-Rechts-Schauen</a:t>
+            </a:r>
+          </a:p>
+        </p:txBody>
+      </p:sp>
+    </p:spTree>
+    <p:extLst>
+      <p:ext uri="{BB962C8B-B14F-4D97-AF65-F5344CB8AC3E}">
+        <p14:creationId xmlns:p14="http://schemas.microsoft.com/office/powerpoint/2010/main" val="1288452853"/>
+      </p:ext>
+    </p:extLst>
+  </p:cSld>
+  <p:clrMapOvr>
+    <a:masterClrMapping/>
+  </p:clrMapOvr>
+  <mc:AlternateContent xmlns:mc="http://schemas.openxmlformats.org/markup-compatibility/2006" xmlns:p14="http://schemas.microsoft.com/office/powerpoint/2010/main">
+    <mc:Choice Requires="p14">
+      <p:transition spd="med" p14:dur="700">
+        <p:fade/>
+      </p:transition>
+    </mc:Choice>
+    <mc:Fallback xmlns="">
+      <p:transition spd="med">
+        <p:fade/>
+      </p:transition>
+    </mc:Fallback>
+  </mc:AlternateContent>
+</p:sld>
+</file>
+
 <file path=ppt/slides/slide16.xml><?xml version="1.0" encoding="utf-8"?>
 <p:sld xmlns:a="http://schemas.openxmlformats.org/drawingml/2006/main" xmlns:r="http://schemas.openxmlformats.org/officeDocument/2006/relationships" xmlns:p="http://schemas.openxmlformats.org/presentationml/2006/main">
   <p:cSld>
@@ -7892,7 +11871,7 @@
           </p:nvPr>
         </p:nvPicPr>
         <p:blipFill rotWithShape="1">
-          <a:blip r:embed="rId2" cstate="print">
+          <a:blip r:embed="rId3" cstate="print">
             <a:extLst>
               <a:ext uri="{28A0092B-C50C-407E-A947-70E740481C1C}">
                 <a14:useLocalDpi xmlns:a14="http://schemas.microsoft.com/office/drawing/2010/main" val="0"/>
@@ -7926,7 +11905,7 @@
           </p:nvPr>
         </p:nvPicPr>
         <p:blipFill>
-          <a:blip r:embed="rId3" cstate="print">
+          <a:blip r:embed="rId4" cstate="print">
             <a:extLst>
               <a:ext uri="{28A0092B-C50C-407E-A947-70E740481C1C}">
                 <a14:useLocalDpi xmlns:a14="http://schemas.microsoft.com/office/drawing/2010/main" val="0"/>
